--- a/figs/slide.pptx
+++ b/figs/slide.pptx
@@ -5,7 +5,7 @@
     <p:sldMasterId id="2147483648" r:id="rId1"/>
   </p:sldMasterIdLst>
   <p:notesMasterIdLst>
-    <p:notesMasterId r:id="rId8"/>
+    <p:notesMasterId r:id="rId9"/>
   </p:notesMasterIdLst>
   <p:sldIdLst>
     <p:sldId id="264" r:id="rId2"/>
@@ -13,7 +13,8 @@
     <p:sldId id="257" r:id="rId4"/>
     <p:sldId id="260" r:id="rId5"/>
     <p:sldId id="262" r:id="rId6"/>
-    <p:sldId id="259" r:id="rId7"/>
+    <p:sldId id="265" r:id="rId7"/>
+    <p:sldId id="259" r:id="rId8"/>
   </p:sldIdLst>
   <p:sldSz cx="12192000" cy="6858000"/>
   <p:notesSz cx="6858000" cy="9144000"/>
@@ -202,7 +203,7 @@
           <a:p>
             <a:fld id="{2391F9B9-73E0-4983-B9AF-731D99DE00B9}" type="datetimeFigureOut">
               <a:rPr kumimoji="1" lang="ja-JP" altLang="en-US" smtClean="0"/>
-              <a:t>2025/7/5</a:t>
+              <a:t>2025/7/7</a:t>
             </a:fld>
             <a:endParaRPr kumimoji="1" lang="ja-JP" altLang="en-US"/>
           </a:p>
@@ -732,7 +733,7 @@
           <a:p>
             <a:fld id="{67538CB6-21B6-43C9-8D62-5A4528F2F88D}" type="datetimeFigureOut">
               <a:rPr kumimoji="1" lang="ja-JP" altLang="en-US" smtClean="0"/>
-              <a:t>2025/7/5</a:t>
+              <a:t>2025/7/7</a:t>
             </a:fld>
             <a:endParaRPr kumimoji="1" lang="ja-JP" altLang="en-US"/>
           </a:p>
@@ -962,7 +963,7 @@
           <a:p>
             <a:fld id="{67538CB6-21B6-43C9-8D62-5A4528F2F88D}" type="datetimeFigureOut">
               <a:rPr kumimoji="1" lang="ja-JP" altLang="en-US" smtClean="0"/>
-              <a:t>2025/7/5</a:t>
+              <a:t>2025/7/7</a:t>
             </a:fld>
             <a:endParaRPr kumimoji="1" lang="ja-JP" altLang="en-US"/>
           </a:p>
@@ -1202,7 +1203,7 @@
           <a:p>
             <a:fld id="{67538CB6-21B6-43C9-8D62-5A4528F2F88D}" type="datetimeFigureOut">
               <a:rPr kumimoji="1" lang="ja-JP" altLang="en-US" smtClean="0"/>
-              <a:t>2025/7/5</a:t>
+              <a:t>2025/7/7</a:t>
             </a:fld>
             <a:endParaRPr kumimoji="1" lang="ja-JP" altLang="en-US"/>
           </a:p>
@@ -1432,7 +1433,7 @@
           <a:p>
             <a:fld id="{67538CB6-21B6-43C9-8D62-5A4528F2F88D}" type="datetimeFigureOut">
               <a:rPr kumimoji="1" lang="ja-JP" altLang="en-US" smtClean="0"/>
-              <a:t>2025/7/5</a:t>
+              <a:t>2025/7/7</a:t>
             </a:fld>
             <a:endParaRPr kumimoji="1" lang="ja-JP" altLang="en-US"/>
           </a:p>
@@ -1707,7 +1708,7 @@
           <a:p>
             <a:fld id="{67538CB6-21B6-43C9-8D62-5A4528F2F88D}" type="datetimeFigureOut">
               <a:rPr kumimoji="1" lang="ja-JP" altLang="en-US" smtClean="0"/>
-              <a:t>2025/7/5</a:t>
+              <a:t>2025/7/7</a:t>
             </a:fld>
             <a:endParaRPr kumimoji="1" lang="ja-JP" altLang="en-US"/>
           </a:p>
@@ -2036,7 +2037,7 @@
           <a:p>
             <a:fld id="{67538CB6-21B6-43C9-8D62-5A4528F2F88D}" type="datetimeFigureOut">
               <a:rPr kumimoji="1" lang="ja-JP" altLang="en-US" smtClean="0"/>
-              <a:t>2025/7/5</a:t>
+              <a:t>2025/7/7</a:t>
             </a:fld>
             <a:endParaRPr kumimoji="1" lang="ja-JP" altLang="en-US"/>
           </a:p>
@@ -2512,7 +2513,7 @@
           <a:p>
             <a:fld id="{67538CB6-21B6-43C9-8D62-5A4528F2F88D}" type="datetimeFigureOut">
               <a:rPr kumimoji="1" lang="ja-JP" altLang="en-US" smtClean="0"/>
-              <a:t>2025/7/5</a:t>
+              <a:t>2025/7/7</a:t>
             </a:fld>
             <a:endParaRPr kumimoji="1" lang="ja-JP" altLang="en-US"/>
           </a:p>
@@ -2653,7 +2654,7 @@
           <a:p>
             <a:fld id="{67538CB6-21B6-43C9-8D62-5A4528F2F88D}" type="datetimeFigureOut">
               <a:rPr kumimoji="1" lang="ja-JP" altLang="en-US" smtClean="0"/>
-              <a:t>2025/7/5</a:t>
+              <a:t>2025/7/7</a:t>
             </a:fld>
             <a:endParaRPr kumimoji="1" lang="ja-JP" altLang="en-US"/>
           </a:p>
@@ -2766,7 +2767,7 @@
           <a:p>
             <a:fld id="{67538CB6-21B6-43C9-8D62-5A4528F2F88D}" type="datetimeFigureOut">
               <a:rPr kumimoji="1" lang="ja-JP" altLang="en-US" smtClean="0"/>
-              <a:t>2025/7/5</a:t>
+              <a:t>2025/7/7</a:t>
             </a:fld>
             <a:endParaRPr kumimoji="1" lang="ja-JP" altLang="en-US"/>
           </a:p>
@@ -3109,7 +3110,7 @@
           <a:p>
             <a:fld id="{67538CB6-21B6-43C9-8D62-5A4528F2F88D}" type="datetimeFigureOut">
               <a:rPr kumimoji="1" lang="ja-JP" altLang="en-US" smtClean="0"/>
-              <a:t>2025/7/5</a:t>
+              <a:t>2025/7/7</a:t>
             </a:fld>
             <a:endParaRPr kumimoji="1" lang="ja-JP" altLang="en-US"/>
           </a:p>
@@ -3397,7 +3398,7 @@
           <a:p>
             <a:fld id="{67538CB6-21B6-43C9-8D62-5A4528F2F88D}" type="datetimeFigureOut">
               <a:rPr kumimoji="1" lang="ja-JP" altLang="en-US" smtClean="0"/>
-              <a:t>2025/7/5</a:t>
+              <a:t>2025/7/7</a:t>
             </a:fld>
             <a:endParaRPr kumimoji="1" lang="ja-JP" altLang="en-US"/>
           </a:p>
@@ -3670,7 +3671,7 @@
           <a:p>
             <a:fld id="{67538CB6-21B6-43C9-8D62-5A4528F2F88D}" type="datetimeFigureOut">
               <a:rPr kumimoji="1" lang="ja-JP" altLang="en-US" smtClean="0"/>
-              <a:t>2025/7/5</a:t>
+              <a:t>2025/7/7</a:t>
             </a:fld>
             <a:endParaRPr kumimoji="1" lang="ja-JP" altLang="en-US"/>
           </a:p>
@@ -6341,8 +6342,8 @@
         </p:nvSpPr>
         <p:spPr>
           <a:xfrm>
-            <a:off x="348342" y="260675"/>
-            <a:ext cx="2918257" cy="400110"/>
+            <a:off x="180000" y="180000"/>
+            <a:ext cx="3894732" cy="523220"/>
           </a:xfrm>
           <a:prstGeom prst="rect">
             <a:avLst/>
@@ -6356,7 +6357,7 @@
           <a:lstStyle/>
           <a:p>
             <a:r>
-              <a:rPr kumimoji="1" lang="ja-JP" altLang="en-US" sz="2000" b="1"/>
+              <a:rPr kumimoji="1" lang="ja-JP" altLang="en-US" sz="2800" b="1"/>
               <a:t>ねねエンジンの仕組み</a:t>
             </a:r>
           </a:p>
@@ -8184,41 +8185,6 @@
       </p:sp>
       <p:sp>
         <p:nvSpPr>
-          <p:cNvPr id="69" name="テキスト ボックス 68">
-            <a:extLst>
-              <a:ext uri="{FF2B5EF4-FFF2-40B4-BE49-F238E27FC236}">
-                <a16:creationId xmlns:a16="http://schemas.microsoft.com/office/drawing/2014/main" id="{ED64FC19-10D3-E40A-EC08-511FF6586C51}"/>
-              </a:ext>
-            </a:extLst>
-          </p:cNvPr>
-          <p:cNvSpPr txBox="1"/>
-          <p:nvPr/>
-        </p:nvSpPr>
-        <p:spPr>
-          <a:xfrm>
-            <a:off x="348342" y="260675"/>
-            <a:ext cx="2238103" cy="400110"/>
-          </a:xfrm>
-          <a:prstGeom prst="rect">
-            <a:avLst/>
-          </a:prstGeom>
-          <a:noFill/>
-        </p:spPr>
-        <p:txBody>
-          <a:bodyPr wrap="square" rtlCol="0">
-            <a:spAutoFit/>
-          </a:bodyPr>
-          <a:lstStyle/>
-          <a:p>
-            <a:r>
-              <a:rPr kumimoji="1" lang="ja-JP" altLang="en-US" sz="2000" b="1"/>
-              <a:t>ねねツリーの例</a:t>
-            </a:r>
-          </a:p>
-        </p:txBody>
-      </p:sp>
-      <p:sp>
-        <p:nvSpPr>
           <p:cNvPr id="70" name="テキスト ボックス 69">
             <a:extLst>
               <a:ext uri="{FF2B5EF4-FFF2-40B4-BE49-F238E27FC236}">
@@ -8302,6 +8268,41 @@
             <a:endParaRPr kumimoji="1" lang="ja-JP" altLang="en-US" sz="1600">
               <a:latin typeface="Consolas" panose="020B0609020204030204" pitchFamily="49" charset="0"/>
             </a:endParaRPr>
+          </a:p>
+        </p:txBody>
+      </p:sp>
+      <p:sp>
+        <p:nvSpPr>
+          <p:cNvPr id="3" name="テキスト ボックス 2">
+            <a:extLst>
+              <a:ext uri="{FF2B5EF4-FFF2-40B4-BE49-F238E27FC236}">
+                <a16:creationId xmlns:a16="http://schemas.microsoft.com/office/drawing/2014/main" id="{9AE2C46F-D239-8170-02C5-2550C8178DE1}"/>
+              </a:ext>
+            </a:extLst>
+          </p:cNvPr>
+          <p:cNvSpPr txBox="1"/>
+          <p:nvPr/>
+        </p:nvSpPr>
+        <p:spPr>
+          <a:xfrm>
+            <a:off x="180000" y="180000"/>
+            <a:ext cx="3894732" cy="523220"/>
+          </a:xfrm>
+          <a:prstGeom prst="rect">
+            <a:avLst/>
+          </a:prstGeom>
+          <a:noFill/>
+        </p:spPr>
+        <p:txBody>
+          <a:bodyPr wrap="square" rtlCol="0">
+            <a:spAutoFit/>
+          </a:bodyPr>
+          <a:lstStyle/>
+          <a:p>
+            <a:r>
+              <a:rPr kumimoji="1" lang="ja-JP" altLang="en-US" sz="2800" b="1"/>
+              <a:t>ねねツリーの例</a:t>
+            </a:r>
           </a:p>
         </p:txBody>
       </p:sp>
@@ -8350,13 +8351,13 @@
           <p:nvPr>
             <p:extLst>
               <p:ext uri="{D42A27DB-BD31-4B8C-83A1-F6EECF244321}">
-                <p14:modId xmlns:p14="http://schemas.microsoft.com/office/powerpoint/2010/main" val="2219099610"/>
+                <p14:modId xmlns:p14="http://schemas.microsoft.com/office/powerpoint/2010/main" val="1621111582"/>
               </p:ext>
             </p:extLst>
           </p:nvPr>
         </p:nvGraphicFramePr>
         <p:xfrm>
-          <a:off x="5440059" y="143506"/>
+          <a:off x="7075912" y="1175352"/>
           <a:ext cx="3603272" cy="2194560"/>
         </p:xfrm>
         <a:graphic>
@@ -8548,7 +8549,7 @@
         </p:nvSpPr>
         <p:spPr>
           <a:xfrm>
-            <a:off x="261657" y="129631"/>
+            <a:off x="1897510" y="1161477"/>
             <a:ext cx="5522753" cy="369332"/>
           </a:xfrm>
           <a:prstGeom prst="rect">
@@ -8587,7 +8588,7 @@
         </p:nvCxnSpPr>
         <p:spPr>
           <a:xfrm>
-            <a:off x="1102945" y="1966821"/>
+            <a:off x="2738798" y="2998667"/>
             <a:ext cx="0" cy="622237"/>
           </a:xfrm>
           <a:prstGeom prst="straightConnector1">
@@ -8629,7 +8630,7 @@
         </p:nvSpPr>
         <p:spPr>
           <a:xfrm>
-            <a:off x="1163281" y="2084919"/>
+            <a:off x="2799134" y="3116765"/>
             <a:ext cx="1012267" cy="369332"/>
           </a:xfrm>
           <a:prstGeom prst="rect">
@@ -8666,13 +8667,13 @@
           <p:nvPr>
             <p:extLst>
               <p:ext uri="{D42A27DB-BD31-4B8C-83A1-F6EECF244321}">
-                <p14:modId xmlns:p14="http://schemas.microsoft.com/office/powerpoint/2010/main" val="3167542649"/>
+                <p14:modId xmlns:p14="http://schemas.microsoft.com/office/powerpoint/2010/main" val="283707220"/>
               </p:ext>
             </p:extLst>
           </p:nvPr>
         </p:nvGraphicFramePr>
         <p:xfrm>
-          <a:off x="5440059" y="4634914"/>
+          <a:off x="7075912" y="5666760"/>
           <a:ext cx="3603273" cy="1112520"/>
         </p:xfrm>
         <a:graphic>
@@ -8825,7 +8826,7 @@
         </p:blipFill>
         <p:spPr bwMode="auto">
           <a:xfrm>
-            <a:off x="261657" y="1139702"/>
+            <a:off x="1897510" y="2171548"/>
             <a:ext cx="571500" cy="571500"/>
           </a:xfrm>
           <a:prstGeom prst="rect">
@@ -8857,7 +8858,7 @@
         </p:nvSpPr>
         <p:spPr>
           <a:xfrm>
-            <a:off x="833157" y="1240786"/>
+            <a:off x="2469010" y="2272632"/>
             <a:ext cx="2640433" cy="369332"/>
           </a:xfrm>
           <a:prstGeom prst="rect">
@@ -8909,7 +8910,7 @@
         </p:blipFill>
         <p:spPr bwMode="auto">
           <a:xfrm>
-            <a:off x="833157" y="2744433"/>
+            <a:off x="2469010" y="3776279"/>
             <a:ext cx="571500" cy="571500"/>
           </a:xfrm>
           <a:prstGeom prst="rect">
@@ -8941,7 +8942,7 @@
         </p:nvSpPr>
         <p:spPr>
           <a:xfrm>
-            <a:off x="1404657" y="2845517"/>
+            <a:off x="3040510" y="3877363"/>
             <a:ext cx="2883166" cy="369332"/>
           </a:xfrm>
           <a:prstGeom prst="rect">
@@ -8993,7 +8994,7 @@
         </p:blipFill>
         <p:spPr bwMode="auto">
           <a:xfrm>
-            <a:off x="261657" y="4439888"/>
+            <a:off x="1897510" y="5471734"/>
             <a:ext cx="571500" cy="571500"/>
           </a:xfrm>
           <a:prstGeom prst="rect">
@@ -9025,7 +9026,7 @@
         </p:nvSpPr>
         <p:spPr>
           <a:xfrm>
-            <a:off x="833157" y="4540972"/>
+            <a:off x="2469010" y="5572818"/>
             <a:ext cx="2883166" cy="369332"/>
           </a:xfrm>
           <a:prstGeom prst="rect">
@@ -9064,7 +9065,7 @@
         </p:nvCxnSpPr>
         <p:spPr>
           <a:xfrm>
-            <a:off x="1102945" y="3589101"/>
+            <a:off x="2738798" y="4620947"/>
             <a:ext cx="0" cy="622237"/>
           </a:xfrm>
           <a:prstGeom prst="straightConnector1">
@@ -9107,13 +9108,13 @@
           <p:nvPr>
             <p:extLst>
               <p:ext uri="{D42A27DB-BD31-4B8C-83A1-F6EECF244321}">
-                <p14:modId xmlns:p14="http://schemas.microsoft.com/office/powerpoint/2010/main" val="2592756258"/>
+                <p14:modId xmlns:p14="http://schemas.microsoft.com/office/powerpoint/2010/main" val="3432958000"/>
               </p:ext>
             </p:extLst>
           </p:nvPr>
         </p:nvGraphicFramePr>
         <p:xfrm>
-          <a:off x="5440059" y="2739253"/>
+          <a:off x="7075912" y="3771099"/>
           <a:ext cx="3603273" cy="1112520"/>
         </p:xfrm>
         <a:graphic>
@@ -9231,7 +9232,7 @@
         </p:nvCxnSpPr>
         <p:spPr>
           <a:xfrm flipV="1">
-            <a:off x="3473590" y="1240786"/>
+            <a:off x="5109443" y="2272632"/>
             <a:ext cx="1966469" cy="184666"/>
           </a:xfrm>
           <a:prstGeom prst="line">
@@ -9271,7 +9272,7 @@
         </p:nvCxnSpPr>
         <p:spPr>
           <a:xfrm>
-            <a:off x="4287823" y="3030183"/>
+            <a:off x="5923676" y="4062029"/>
             <a:ext cx="1152236" cy="265330"/>
           </a:xfrm>
           <a:prstGeom prst="line">
@@ -9311,7 +9312,7 @@
         </p:nvCxnSpPr>
         <p:spPr>
           <a:xfrm>
-            <a:off x="3716323" y="4725638"/>
+            <a:off x="5352176" y="5757484"/>
             <a:ext cx="1723736" cy="465536"/>
           </a:xfrm>
           <a:prstGeom prst="line">
@@ -9349,7 +9350,7 @@
         </p:nvCxnSpPr>
         <p:spPr>
           <a:xfrm>
-            <a:off x="533891" y="1968961"/>
+            <a:off x="2169744" y="3000807"/>
             <a:ext cx="0" cy="2242377"/>
           </a:xfrm>
           <a:prstGeom prst="straightConnector1">
@@ -9379,10 +9380,10 @@
       </p:cxnSp>
       <p:sp>
         <p:nvSpPr>
-          <p:cNvPr id="2" name="テキスト ボックス 1">
-            <a:extLst>
-              <a:ext uri="{FF2B5EF4-FFF2-40B4-BE49-F238E27FC236}">
-                <a16:creationId xmlns:a16="http://schemas.microsoft.com/office/drawing/2014/main" id="{722C044F-2A35-977C-523C-E11E3E0E4D60}"/>
+          <p:cNvPr id="6" name="テキスト ボックス 5">
+            <a:extLst>
+              <a:ext uri="{FF2B5EF4-FFF2-40B4-BE49-F238E27FC236}">
+                <a16:creationId xmlns:a16="http://schemas.microsoft.com/office/drawing/2014/main" id="{BA6B7F16-A03E-651D-998E-BB05952122D1}"/>
               </a:ext>
             </a:extLst>
           </p:cNvPr>
@@ -9391,8 +9392,8 @@
         </p:nvSpPr>
         <p:spPr>
           <a:xfrm>
-            <a:off x="9181750" y="175797"/>
-            <a:ext cx="1508827" cy="646331"/>
+            <a:off x="180000" y="180000"/>
+            <a:ext cx="3894732" cy="523220"/>
           </a:xfrm>
           <a:prstGeom prst="rect">
             <a:avLst/>
@@ -9406,60 +9407,10 @@
           <a:lstStyle/>
           <a:p>
             <a:r>
-              <a:rPr kumimoji="1" lang="ja-JP" altLang="en-US"/>
-              <a:t>ここは</a:t>
-            </a:r>
-            <a:r>
-              <a:rPr kumimoji="1" lang="ja-JP" altLang="en-US" b="1"/>
-              <a:t>質</a:t>
-            </a:r>
-            <a:r>
-              <a:rPr kumimoji="1" lang="ja-JP" altLang="en-US"/>
-              <a:t>を重視する</a:t>
-            </a:r>
-          </a:p>
-        </p:txBody>
-      </p:sp>
-      <p:sp>
-        <p:nvSpPr>
-          <p:cNvPr id="3" name="テキスト ボックス 2">
-            <a:extLst>
-              <a:ext uri="{FF2B5EF4-FFF2-40B4-BE49-F238E27FC236}">
-                <a16:creationId xmlns:a16="http://schemas.microsoft.com/office/drawing/2014/main" id="{1B377AC0-ABFA-E676-E8DD-BDA16221C889}"/>
-              </a:ext>
-            </a:extLst>
-          </p:cNvPr>
-          <p:cNvSpPr txBox="1"/>
-          <p:nvPr/>
-        </p:nvSpPr>
-        <p:spPr>
-          <a:xfrm>
-            <a:off x="9181750" y="2669602"/>
-            <a:ext cx="1508827" cy="646331"/>
-          </a:xfrm>
-          <a:prstGeom prst="rect">
-            <a:avLst/>
-          </a:prstGeom>
-          <a:noFill/>
-        </p:spPr>
-        <p:txBody>
-          <a:bodyPr wrap="square" rtlCol="0">
-            <a:spAutoFit/>
-          </a:bodyPr>
-          <a:lstStyle/>
-          <a:p>
-            <a:r>
-              <a:rPr kumimoji="1" lang="ja-JP" altLang="en-US"/>
-              <a:t>ここは</a:t>
-            </a:r>
-            <a:r>
-              <a:rPr lang="ja-JP" altLang="en-US" b="1"/>
-              <a:t>量</a:t>
-            </a:r>
-            <a:r>
-              <a:rPr kumimoji="1" lang="ja-JP" altLang="en-US"/>
-              <a:t>を重視する</a:t>
-            </a:r>
+              <a:rPr lang="ja-JP" altLang="en-US" sz="2800" b="1"/>
+              <a:t>依存性グループ</a:t>
+            </a:r>
+            <a:endParaRPr kumimoji="1" lang="ja-JP" altLang="en-US" sz="2800" b="1"/>
           </a:p>
         </p:txBody>
       </p:sp>
@@ -9493,6 +9444,1192 @@
           <a:chExt cx="0" cy="0"/>
         </a:xfrm>
       </p:grpSpPr>
+      <p:sp>
+        <p:nvSpPr>
+          <p:cNvPr id="2" name="楕円 1">
+            <a:extLst>
+              <a:ext uri="{FF2B5EF4-FFF2-40B4-BE49-F238E27FC236}">
+                <a16:creationId xmlns:a16="http://schemas.microsoft.com/office/drawing/2014/main" id="{28EAEEBA-6F76-3145-28E9-81D8BD9C5129}"/>
+              </a:ext>
+            </a:extLst>
+          </p:cNvPr>
+          <p:cNvSpPr>
+            <a:spLocks noChangeAspect="1"/>
+          </p:cNvSpPr>
+          <p:nvPr/>
+        </p:nvSpPr>
+        <p:spPr>
+          <a:xfrm>
+            <a:off x="8496286" y="1272514"/>
+            <a:ext cx="360000" cy="360000"/>
+          </a:xfrm>
+          <a:prstGeom prst="ellipse">
+            <a:avLst/>
+          </a:prstGeom>
+          <a:ln>
+            <a:noFill/>
+          </a:ln>
+        </p:spPr>
+        <p:style>
+          <a:lnRef idx="2">
+            <a:schemeClr val="accent1">
+              <a:shade val="15000"/>
+            </a:schemeClr>
+          </a:lnRef>
+          <a:fillRef idx="1">
+            <a:schemeClr val="accent1"/>
+          </a:fillRef>
+          <a:effectRef idx="0">
+            <a:schemeClr val="accent1"/>
+          </a:effectRef>
+          <a:fontRef idx="minor">
+            <a:schemeClr val="lt1"/>
+          </a:fontRef>
+        </p:style>
+        <p:txBody>
+          <a:bodyPr rtlCol="0" anchor="ctr"/>
+          <a:lstStyle/>
+          <a:p>
+            <a:pPr algn="ctr"/>
+            <a:endParaRPr kumimoji="1" lang="ja-JP" altLang="en-US"/>
+          </a:p>
+        </p:txBody>
+      </p:sp>
+      <p:sp>
+        <p:nvSpPr>
+          <p:cNvPr id="3" name="楕円 2">
+            <a:extLst>
+              <a:ext uri="{FF2B5EF4-FFF2-40B4-BE49-F238E27FC236}">
+                <a16:creationId xmlns:a16="http://schemas.microsoft.com/office/drawing/2014/main" id="{9FD8FE49-48FC-48C6-7954-6E8D0A1E35C9}"/>
+              </a:ext>
+            </a:extLst>
+          </p:cNvPr>
+          <p:cNvSpPr>
+            <a:spLocks noChangeAspect="1"/>
+          </p:cNvSpPr>
+          <p:nvPr/>
+        </p:nvSpPr>
+        <p:spPr>
+          <a:xfrm>
+            <a:off x="8492741" y="4107011"/>
+            <a:ext cx="360000" cy="360000"/>
+          </a:xfrm>
+          <a:prstGeom prst="ellipse">
+            <a:avLst/>
+          </a:prstGeom>
+          <a:ln>
+            <a:noFill/>
+          </a:ln>
+        </p:spPr>
+        <p:style>
+          <a:lnRef idx="2">
+            <a:schemeClr val="accent1">
+              <a:shade val="15000"/>
+            </a:schemeClr>
+          </a:lnRef>
+          <a:fillRef idx="1">
+            <a:schemeClr val="accent1"/>
+          </a:fillRef>
+          <a:effectRef idx="0">
+            <a:schemeClr val="accent1"/>
+          </a:effectRef>
+          <a:fontRef idx="minor">
+            <a:schemeClr val="lt1"/>
+          </a:fontRef>
+        </p:style>
+        <p:txBody>
+          <a:bodyPr rtlCol="0" anchor="ctr"/>
+          <a:lstStyle/>
+          <a:p>
+            <a:pPr algn="ctr"/>
+            <a:endParaRPr kumimoji="1" lang="ja-JP" altLang="en-US"/>
+          </a:p>
+        </p:txBody>
+      </p:sp>
+      <p:sp>
+        <p:nvSpPr>
+          <p:cNvPr id="4" name="正方形/長方形 3">
+            <a:extLst>
+              <a:ext uri="{FF2B5EF4-FFF2-40B4-BE49-F238E27FC236}">
+                <a16:creationId xmlns:a16="http://schemas.microsoft.com/office/drawing/2014/main" id="{B6B91990-FA42-4133-7F55-7045D207FA75}"/>
+              </a:ext>
+            </a:extLst>
+          </p:cNvPr>
+          <p:cNvSpPr/>
+          <p:nvPr/>
+        </p:nvSpPr>
+        <p:spPr>
+          <a:xfrm>
+            <a:off x="2565904" y="1254594"/>
+            <a:ext cx="2551380" cy="3297210"/>
+          </a:xfrm>
+          <a:prstGeom prst="rect">
+            <a:avLst/>
+          </a:prstGeom>
+          <a:noFill/>
+        </p:spPr>
+        <p:style>
+          <a:lnRef idx="2">
+            <a:schemeClr val="accent1">
+              <a:shade val="15000"/>
+            </a:schemeClr>
+          </a:lnRef>
+          <a:fillRef idx="1">
+            <a:schemeClr val="accent1"/>
+          </a:fillRef>
+          <a:effectRef idx="0">
+            <a:schemeClr val="accent1"/>
+          </a:effectRef>
+          <a:fontRef idx="minor">
+            <a:schemeClr val="lt1"/>
+          </a:fontRef>
+        </p:style>
+        <p:txBody>
+          <a:bodyPr rtlCol="0" anchor="ctr"/>
+          <a:lstStyle/>
+          <a:p>
+            <a:pPr algn="ctr"/>
+            <a:endParaRPr kumimoji="1" lang="ja-JP" altLang="en-US"/>
+          </a:p>
+        </p:txBody>
+      </p:sp>
+      <p:cxnSp>
+        <p:nvCxnSpPr>
+          <p:cNvPr id="6" name="直線矢印コネクタ 5">
+            <a:extLst>
+              <a:ext uri="{FF2B5EF4-FFF2-40B4-BE49-F238E27FC236}">
+                <a16:creationId xmlns:a16="http://schemas.microsoft.com/office/drawing/2014/main" id="{60F0066A-2C8D-8123-A52E-6D8717FA2564}"/>
+              </a:ext>
+            </a:extLst>
+          </p:cNvPr>
+          <p:cNvCxnSpPr>
+            <a:stCxn id="2" idx="4"/>
+            <a:endCxn id="3" idx="0"/>
+          </p:cNvCxnSpPr>
+          <p:nvPr/>
+        </p:nvCxnSpPr>
+        <p:spPr>
+          <a:xfrm flipH="1">
+            <a:off x="8672741" y="1632514"/>
+            <a:ext cx="3545" cy="2474497"/>
+          </a:xfrm>
+          <a:prstGeom prst="straightConnector1">
+            <a:avLst/>
+          </a:prstGeom>
+          <a:ln>
+            <a:tailEnd type="triangle"/>
+          </a:ln>
+        </p:spPr>
+        <p:style>
+          <a:lnRef idx="2">
+            <a:schemeClr val="accent1"/>
+          </a:lnRef>
+          <a:fillRef idx="0">
+            <a:schemeClr val="accent1"/>
+          </a:fillRef>
+          <a:effectRef idx="1">
+            <a:schemeClr val="accent1"/>
+          </a:effectRef>
+          <a:fontRef idx="minor">
+            <a:schemeClr val="tx1"/>
+          </a:fontRef>
+        </p:style>
+      </p:cxnSp>
+      <p:sp>
+        <p:nvSpPr>
+          <p:cNvPr id="7" name="テキスト ボックス 6">
+            <a:extLst>
+              <a:ext uri="{FF2B5EF4-FFF2-40B4-BE49-F238E27FC236}">
+                <a16:creationId xmlns:a16="http://schemas.microsoft.com/office/drawing/2014/main" id="{2486D549-A464-F564-C8AB-839DA86EEE12}"/>
+              </a:ext>
+            </a:extLst>
+          </p:cNvPr>
+          <p:cNvSpPr txBox="1"/>
+          <p:nvPr/>
+        </p:nvSpPr>
+        <p:spPr>
+          <a:xfrm>
+            <a:off x="8712616" y="3257639"/>
+            <a:ext cx="3515714" cy="646331"/>
+          </a:xfrm>
+          <a:prstGeom prst="rect">
+            <a:avLst/>
+          </a:prstGeom>
+          <a:noFill/>
+        </p:spPr>
+        <p:txBody>
+          <a:bodyPr wrap="square" rtlCol="0">
+            <a:spAutoFit/>
+          </a:bodyPr>
+          <a:lstStyle/>
+          <a:p>
+            <a:r>
+              <a:rPr lang="en-US" altLang="ja-JP">
+                <a:latin typeface="Consolas" panose="020B0609020204030204" pitchFamily="49" charset="0"/>
+              </a:rPr>
+              <a:t>std::unique_ptr&lt;NeneNode&gt;</a:t>
+            </a:r>
+          </a:p>
+          <a:p>
+            <a:r>
+              <a:rPr lang="ja-JP" altLang="en-US">
+                <a:latin typeface="Consolas" panose="020B0609020204030204" pitchFamily="49" charset="0"/>
+              </a:rPr>
+              <a:t>で</a:t>
+            </a:r>
+            <a:r>
+              <a:rPr lang="ja-JP" altLang="en-US" b="1">
+                <a:latin typeface="Consolas" panose="020B0609020204030204" pitchFamily="49" charset="0"/>
+              </a:rPr>
+              <a:t>専有</a:t>
+            </a:r>
+            <a:endParaRPr lang="en-US" altLang="ja-JP" b="1">
+              <a:latin typeface="Consolas" panose="020B0609020204030204" pitchFamily="49" charset="0"/>
+            </a:endParaRPr>
+          </a:p>
+        </p:txBody>
+      </p:sp>
+      <p:cxnSp>
+        <p:nvCxnSpPr>
+          <p:cNvPr id="10" name="直線矢印コネクタ 9">
+            <a:extLst>
+              <a:ext uri="{FF2B5EF4-FFF2-40B4-BE49-F238E27FC236}">
+                <a16:creationId xmlns:a16="http://schemas.microsoft.com/office/drawing/2014/main" id="{927B5E92-549C-F664-0878-4FB1A204691E}"/>
+              </a:ext>
+            </a:extLst>
+          </p:cNvPr>
+          <p:cNvCxnSpPr>
+            <a:cxnSpLocks/>
+            <a:stCxn id="3" idx="2"/>
+            <a:endCxn id="4" idx="3"/>
+          </p:cNvCxnSpPr>
+          <p:nvPr/>
+        </p:nvCxnSpPr>
+        <p:spPr>
+          <a:xfrm flipH="1" flipV="1">
+            <a:off x="5117284" y="2903199"/>
+            <a:ext cx="3375457" cy="1383812"/>
+          </a:xfrm>
+          <a:prstGeom prst="straightConnector1">
+            <a:avLst/>
+          </a:prstGeom>
+          <a:ln>
+            <a:tailEnd type="triangle"/>
+          </a:ln>
+        </p:spPr>
+        <p:style>
+          <a:lnRef idx="2">
+            <a:schemeClr val="accent1"/>
+          </a:lnRef>
+          <a:fillRef idx="0">
+            <a:schemeClr val="accent1"/>
+          </a:fillRef>
+          <a:effectRef idx="1">
+            <a:schemeClr val="accent1"/>
+          </a:effectRef>
+          <a:fontRef idx="minor">
+            <a:schemeClr val="tx1"/>
+          </a:fontRef>
+        </p:style>
+      </p:cxnSp>
+      <p:cxnSp>
+        <p:nvCxnSpPr>
+          <p:cNvPr id="15" name="直線矢印コネクタ 14">
+            <a:extLst>
+              <a:ext uri="{FF2B5EF4-FFF2-40B4-BE49-F238E27FC236}">
+                <a16:creationId xmlns:a16="http://schemas.microsoft.com/office/drawing/2014/main" id="{81588763-6289-7AC7-88C8-BF6EBFAB71E3}"/>
+              </a:ext>
+            </a:extLst>
+          </p:cNvPr>
+          <p:cNvCxnSpPr>
+            <a:cxnSpLocks/>
+            <a:stCxn id="2" idx="2"/>
+            <a:endCxn id="4" idx="3"/>
+          </p:cNvCxnSpPr>
+          <p:nvPr/>
+        </p:nvCxnSpPr>
+        <p:spPr>
+          <a:xfrm flipH="1">
+            <a:off x="5117284" y="1452514"/>
+            <a:ext cx="3379002" cy="1450685"/>
+          </a:xfrm>
+          <a:prstGeom prst="straightConnector1">
+            <a:avLst/>
+          </a:prstGeom>
+          <a:ln>
+            <a:tailEnd type="triangle"/>
+          </a:ln>
+        </p:spPr>
+        <p:style>
+          <a:lnRef idx="2">
+            <a:schemeClr val="accent1"/>
+          </a:lnRef>
+          <a:fillRef idx="0">
+            <a:schemeClr val="accent1"/>
+          </a:fillRef>
+          <a:effectRef idx="1">
+            <a:schemeClr val="accent1"/>
+          </a:effectRef>
+          <a:fontRef idx="minor">
+            <a:schemeClr val="tx1"/>
+          </a:fontRef>
+        </p:style>
+      </p:cxnSp>
+      <p:sp>
+        <p:nvSpPr>
+          <p:cNvPr id="17" name="テキスト ボックス 16">
+            <a:extLst>
+              <a:ext uri="{FF2B5EF4-FFF2-40B4-BE49-F238E27FC236}">
+                <a16:creationId xmlns:a16="http://schemas.microsoft.com/office/drawing/2014/main" id="{E547533E-F0D8-C555-3479-D7B1839CC30B}"/>
+              </a:ext>
+            </a:extLst>
+          </p:cNvPr>
+          <p:cNvSpPr txBox="1"/>
+          <p:nvPr/>
+        </p:nvSpPr>
+        <p:spPr>
+          <a:xfrm>
+            <a:off x="5973497" y="2425134"/>
+            <a:ext cx="2126257" cy="923330"/>
+          </a:xfrm>
+          <a:prstGeom prst="rect">
+            <a:avLst/>
+          </a:prstGeom>
+          <a:noFill/>
+        </p:spPr>
+        <p:txBody>
+          <a:bodyPr wrap="square" rtlCol="0">
+            <a:spAutoFit/>
+          </a:bodyPr>
+          <a:lstStyle/>
+          <a:p>
+            <a:r>
+              <a:rPr lang="en-US" altLang="ja-JP">
+                <a:latin typeface="Consolas" panose="020B0609020204030204" pitchFamily="49" charset="0"/>
+              </a:rPr>
+              <a:t>std::shared_ptr&lt;NeneServer&gt;</a:t>
+            </a:r>
+          </a:p>
+          <a:p>
+            <a:r>
+              <a:rPr lang="ja-JP" altLang="en-US">
+                <a:latin typeface="Consolas" panose="020B0609020204030204" pitchFamily="49" charset="0"/>
+              </a:rPr>
+              <a:t>で</a:t>
+            </a:r>
+            <a:r>
+              <a:rPr lang="ja-JP" altLang="en-US" b="1">
+                <a:latin typeface="Consolas" panose="020B0609020204030204" pitchFamily="49" charset="0"/>
+              </a:rPr>
+              <a:t>共有</a:t>
+            </a:r>
+            <a:endParaRPr lang="en-US" altLang="ja-JP" b="1">
+              <a:latin typeface="Consolas" panose="020B0609020204030204" pitchFamily="49" charset="0"/>
+            </a:endParaRPr>
+          </a:p>
+        </p:txBody>
+      </p:sp>
+      <p:sp>
+        <p:nvSpPr>
+          <p:cNvPr id="19" name="正方形/長方形 18">
+            <a:extLst>
+              <a:ext uri="{FF2B5EF4-FFF2-40B4-BE49-F238E27FC236}">
+                <a16:creationId xmlns:a16="http://schemas.microsoft.com/office/drawing/2014/main" id="{492D6DF4-CF62-2C84-1099-5BCFB5F82B1A}"/>
+              </a:ext>
+            </a:extLst>
+          </p:cNvPr>
+          <p:cNvSpPr/>
+          <p:nvPr/>
+        </p:nvSpPr>
+        <p:spPr>
+          <a:xfrm>
+            <a:off x="2751353" y="2211907"/>
+            <a:ext cx="1769928" cy="485428"/>
+          </a:xfrm>
+          <a:prstGeom prst="rect">
+            <a:avLst/>
+          </a:prstGeom>
+          <a:solidFill>
+            <a:schemeClr val="tx2">
+              <a:lumMod val="90000"/>
+              <a:lumOff val="10000"/>
+            </a:schemeClr>
+          </a:solidFill>
+        </p:spPr>
+        <p:style>
+          <a:lnRef idx="2">
+            <a:schemeClr val="accent1">
+              <a:shade val="15000"/>
+            </a:schemeClr>
+          </a:lnRef>
+          <a:fillRef idx="1">
+            <a:schemeClr val="accent1"/>
+          </a:fillRef>
+          <a:effectRef idx="0">
+            <a:schemeClr val="accent1"/>
+          </a:effectRef>
+          <a:fontRef idx="minor">
+            <a:schemeClr val="lt1"/>
+          </a:fontRef>
+        </p:style>
+        <p:txBody>
+          <a:bodyPr rtlCol="0" anchor="ctr"/>
+          <a:lstStyle/>
+          <a:p>
+            <a:pPr algn="ctr"/>
+            <a:endParaRPr kumimoji="1" lang="ja-JP" altLang="en-US"/>
+          </a:p>
+        </p:txBody>
+      </p:sp>
+      <p:sp>
+        <p:nvSpPr>
+          <p:cNvPr id="20" name="二等辺三角形 19">
+            <a:extLst>
+              <a:ext uri="{FF2B5EF4-FFF2-40B4-BE49-F238E27FC236}">
+                <a16:creationId xmlns:a16="http://schemas.microsoft.com/office/drawing/2014/main" id="{676156E8-3F96-A2DD-4B96-4D547EA1A44C}"/>
+              </a:ext>
+            </a:extLst>
+          </p:cNvPr>
+          <p:cNvSpPr>
+            <a:spLocks/>
+          </p:cNvSpPr>
+          <p:nvPr/>
+        </p:nvSpPr>
+        <p:spPr>
+          <a:xfrm>
+            <a:off x="5998639" y="5192274"/>
+            <a:ext cx="360000" cy="310345"/>
+          </a:xfrm>
+          <a:prstGeom prst="triangle">
+            <a:avLst/>
+          </a:prstGeom>
+          <a:scene3d>
+            <a:camera prst="orthographicFront">
+              <a:rot lat="0" lon="0" rev="1800000"/>
+            </a:camera>
+            <a:lightRig rig="threePt" dir="t"/>
+          </a:scene3d>
+        </p:spPr>
+        <p:style>
+          <a:lnRef idx="2">
+            <a:schemeClr val="accent1">
+              <a:shade val="15000"/>
+            </a:schemeClr>
+          </a:lnRef>
+          <a:fillRef idx="1">
+            <a:schemeClr val="accent1"/>
+          </a:fillRef>
+          <a:effectRef idx="0">
+            <a:schemeClr val="accent1"/>
+          </a:effectRef>
+          <a:fontRef idx="minor">
+            <a:schemeClr val="lt1"/>
+          </a:fontRef>
+        </p:style>
+        <p:txBody>
+          <a:bodyPr rtlCol="0" anchor="ctr"/>
+          <a:lstStyle/>
+          <a:p>
+            <a:pPr algn="ctr"/>
+            <a:endParaRPr kumimoji="1" lang="ja-JP" altLang="en-US"/>
+          </a:p>
+        </p:txBody>
+      </p:sp>
+      <p:cxnSp>
+        <p:nvCxnSpPr>
+          <p:cNvPr id="26" name="直線矢印コネクタ 25">
+            <a:extLst>
+              <a:ext uri="{FF2B5EF4-FFF2-40B4-BE49-F238E27FC236}">
+                <a16:creationId xmlns:a16="http://schemas.microsoft.com/office/drawing/2014/main" id="{EEF1DB43-280B-13F7-8338-B5915FCE1D73}"/>
+              </a:ext>
+            </a:extLst>
+          </p:cNvPr>
+          <p:cNvCxnSpPr>
+            <a:cxnSpLocks/>
+            <a:stCxn id="3" idx="3"/>
+          </p:cNvCxnSpPr>
+          <p:nvPr/>
+        </p:nvCxnSpPr>
+        <p:spPr>
+          <a:xfrm flipH="1">
+            <a:off x="6501468" y="4414290"/>
+            <a:ext cx="2043994" cy="933157"/>
+          </a:xfrm>
+          <a:prstGeom prst="straightConnector1">
+            <a:avLst/>
+          </a:prstGeom>
+          <a:ln>
+            <a:tailEnd type="triangle"/>
+          </a:ln>
+        </p:spPr>
+        <p:style>
+          <a:lnRef idx="2">
+            <a:schemeClr val="accent1"/>
+          </a:lnRef>
+          <a:fillRef idx="0">
+            <a:schemeClr val="accent1"/>
+          </a:fillRef>
+          <a:effectRef idx="1">
+            <a:schemeClr val="accent1"/>
+          </a:effectRef>
+          <a:fontRef idx="minor">
+            <a:schemeClr val="tx1"/>
+          </a:fontRef>
+        </p:style>
+      </p:cxnSp>
+      <p:cxnSp>
+        <p:nvCxnSpPr>
+          <p:cNvPr id="29" name="直線矢印コネクタ 28">
+            <a:extLst>
+              <a:ext uri="{FF2B5EF4-FFF2-40B4-BE49-F238E27FC236}">
+                <a16:creationId xmlns:a16="http://schemas.microsoft.com/office/drawing/2014/main" id="{2C3AE4B5-139C-78D5-0A26-BF943D7F7988}"/>
+              </a:ext>
+            </a:extLst>
+          </p:cNvPr>
+          <p:cNvCxnSpPr>
+            <a:cxnSpLocks/>
+            <a:stCxn id="35" idx="2"/>
+            <a:endCxn id="20" idx="1"/>
+          </p:cNvCxnSpPr>
+          <p:nvPr/>
+        </p:nvCxnSpPr>
+        <p:spPr>
+          <a:xfrm>
+            <a:off x="3636314" y="4389398"/>
+            <a:ext cx="2452325" cy="958049"/>
+          </a:xfrm>
+          <a:prstGeom prst="straightConnector1">
+            <a:avLst/>
+          </a:prstGeom>
+          <a:ln>
+            <a:tailEnd type="triangle"/>
+          </a:ln>
+        </p:spPr>
+        <p:style>
+          <a:lnRef idx="2">
+            <a:schemeClr val="accent1"/>
+          </a:lnRef>
+          <a:fillRef idx="0">
+            <a:schemeClr val="accent1"/>
+          </a:fillRef>
+          <a:effectRef idx="1">
+            <a:schemeClr val="accent1"/>
+          </a:effectRef>
+          <a:fontRef idx="minor">
+            <a:schemeClr val="tx1"/>
+          </a:fontRef>
+        </p:style>
+      </p:cxnSp>
+      <p:sp>
+        <p:nvSpPr>
+          <p:cNvPr id="33" name="正方形/長方形 32">
+            <a:extLst>
+              <a:ext uri="{FF2B5EF4-FFF2-40B4-BE49-F238E27FC236}">
+                <a16:creationId xmlns:a16="http://schemas.microsoft.com/office/drawing/2014/main" id="{3DCA5423-DE0B-354B-1241-7138D5FCDBB5}"/>
+              </a:ext>
+            </a:extLst>
+          </p:cNvPr>
+          <p:cNvSpPr/>
+          <p:nvPr/>
+        </p:nvSpPr>
+        <p:spPr>
+          <a:xfrm>
+            <a:off x="2751352" y="2775928"/>
+            <a:ext cx="1769928" cy="485428"/>
+          </a:xfrm>
+          <a:prstGeom prst="rect">
+            <a:avLst/>
+          </a:prstGeom>
+          <a:solidFill>
+            <a:schemeClr val="tx2">
+              <a:lumMod val="90000"/>
+              <a:lumOff val="10000"/>
+            </a:schemeClr>
+          </a:solidFill>
+        </p:spPr>
+        <p:style>
+          <a:lnRef idx="2">
+            <a:schemeClr val="accent1">
+              <a:shade val="15000"/>
+            </a:schemeClr>
+          </a:lnRef>
+          <a:fillRef idx="1">
+            <a:schemeClr val="accent1"/>
+          </a:fillRef>
+          <a:effectRef idx="0">
+            <a:schemeClr val="accent1"/>
+          </a:effectRef>
+          <a:fontRef idx="minor">
+            <a:schemeClr val="lt1"/>
+          </a:fontRef>
+        </p:style>
+        <p:txBody>
+          <a:bodyPr rtlCol="0" anchor="ctr"/>
+          <a:lstStyle/>
+          <a:p>
+            <a:pPr algn="ctr"/>
+            <a:endParaRPr kumimoji="1" lang="ja-JP" altLang="en-US"/>
+          </a:p>
+        </p:txBody>
+      </p:sp>
+      <p:sp>
+        <p:nvSpPr>
+          <p:cNvPr id="35" name="正方形/長方形 34">
+            <a:extLst>
+              <a:ext uri="{FF2B5EF4-FFF2-40B4-BE49-F238E27FC236}">
+                <a16:creationId xmlns:a16="http://schemas.microsoft.com/office/drawing/2014/main" id="{2DACD425-5EDA-CC06-57A2-273A8F3D9FC8}"/>
+              </a:ext>
+            </a:extLst>
+          </p:cNvPr>
+          <p:cNvSpPr/>
+          <p:nvPr/>
+        </p:nvSpPr>
+        <p:spPr>
+          <a:xfrm>
+            <a:off x="2751350" y="3903970"/>
+            <a:ext cx="1769927" cy="485428"/>
+          </a:xfrm>
+          <a:prstGeom prst="rect">
+            <a:avLst/>
+          </a:prstGeom>
+          <a:solidFill>
+            <a:schemeClr val="tx2">
+              <a:lumMod val="90000"/>
+              <a:lumOff val="10000"/>
+            </a:schemeClr>
+          </a:solidFill>
+        </p:spPr>
+        <p:style>
+          <a:lnRef idx="2">
+            <a:schemeClr val="accent1">
+              <a:shade val="15000"/>
+            </a:schemeClr>
+          </a:lnRef>
+          <a:fillRef idx="1">
+            <a:schemeClr val="accent1"/>
+          </a:fillRef>
+          <a:effectRef idx="0">
+            <a:schemeClr val="accent1"/>
+          </a:effectRef>
+          <a:fontRef idx="minor">
+            <a:schemeClr val="lt1"/>
+          </a:fontRef>
+        </p:style>
+        <p:txBody>
+          <a:bodyPr rtlCol="0" anchor="ctr"/>
+          <a:lstStyle/>
+          <a:p>
+            <a:pPr algn="ctr"/>
+            <a:endParaRPr kumimoji="1" lang="ja-JP" altLang="en-US"/>
+          </a:p>
+        </p:txBody>
+      </p:sp>
+      <mc:AlternateContent xmlns:mc="http://schemas.openxmlformats.org/markup-compatibility/2006">
+        <mc:Choice xmlns:a14="http://schemas.microsoft.com/office/drawing/2010/main" Requires="a14">
+          <p:sp>
+            <p:nvSpPr>
+              <p:cNvPr id="37" name="テキスト ボックス 36">
+                <a:extLst>
+                  <a:ext uri="{FF2B5EF4-FFF2-40B4-BE49-F238E27FC236}">
+                    <a16:creationId xmlns:a16="http://schemas.microsoft.com/office/drawing/2014/main" id="{57879013-6892-ABCD-7FA3-6D3E4E0365C0}"/>
+                  </a:ext>
+                </a:extLst>
+              </p:cNvPr>
+              <p:cNvSpPr txBox="1"/>
+              <p:nvPr/>
+            </p:nvSpPr>
+            <p:spPr>
+              <a:xfrm>
+                <a:off x="3422117" y="3351830"/>
+                <a:ext cx="428392" cy="461665"/>
+              </a:xfrm>
+              <a:prstGeom prst="rect">
+                <a:avLst/>
+              </a:prstGeom>
+              <a:noFill/>
+            </p:spPr>
+            <p:txBody>
+              <a:bodyPr wrap="square" rtlCol="0">
+                <a:spAutoFit/>
+              </a:bodyPr>
+              <a:lstStyle/>
+              <a:p>
+                <a14:m>
+                  <m:oMathPara xmlns:m="http://schemas.openxmlformats.org/officeDocument/2006/math">
+                    <m:oMathParaPr>
+                      <m:jc m:val="centerGroup"/>
+                    </m:oMathParaPr>
+                    <m:oMath xmlns:m="http://schemas.openxmlformats.org/officeDocument/2006/math">
+                      <m:r>
+                        <a:rPr kumimoji="1" lang="en-US" altLang="ja-JP" sz="2400" b="0" i="1" smtClean="0">
+                          <a:latin typeface="Cambria Math" panose="02040503050406030204" pitchFamily="18" charset="0"/>
+                        </a:rPr>
+                        <m:t>⋮</m:t>
+                      </m:r>
+                    </m:oMath>
+                  </m:oMathPara>
+                </a14:m>
+                <a:endParaRPr kumimoji="1" lang="en-US" altLang="ja-JP" sz="2400" b="0"/>
+              </a:p>
+            </p:txBody>
+          </p:sp>
+        </mc:Choice>
+        <mc:Fallback>
+          <p:sp>
+            <p:nvSpPr>
+              <p:cNvPr id="37" name="テキスト ボックス 36">
+                <a:extLst>
+                  <a:ext uri="{FF2B5EF4-FFF2-40B4-BE49-F238E27FC236}">
+                    <a16:creationId xmlns:a16="http://schemas.microsoft.com/office/drawing/2014/main" id="{57879013-6892-ABCD-7FA3-6D3E4E0365C0}"/>
+                  </a:ext>
+                </a:extLst>
+              </p:cNvPr>
+              <p:cNvSpPr txBox="1">
+                <a:spLocks noRot="1" noChangeAspect="1" noMove="1" noResize="1" noEditPoints="1" noAdjustHandles="1" noChangeArrowheads="1" noChangeShapeType="1" noTextEdit="1"/>
+              </p:cNvSpPr>
+              <p:nvPr/>
+            </p:nvSpPr>
+            <p:spPr>
+              <a:xfrm>
+                <a:off x="3422117" y="3351830"/>
+                <a:ext cx="428392" cy="461665"/>
+              </a:xfrm>
+              <a:prstGeom prst="rect">
+                <a:avLst/>
+              </a:prstGeom>
+              <a:blipFill>
+                <a:blip r:embed="rId2"/>
+                <a:stretch>
+                  <a:fillRect/>
+                </a:stretch>
+              </a:blipFill>
+            </p:spPr>
+            <p:txBody>
+              <a:bodyPr/>
+              <a:lstStyle/>
+              <a:p>
+                <a:r>
+                  <a:rPr lang="ja-JP" altLang="en-US">
+                    <a:noFill/>
+                  </a:rPr>
+                  <a:t> </a:t>
+                </a:r>
+              </a:p>
+            </p:txBody>
+          </p:sp>
+        </mc:Fallback>
+      </mc:AlternateContent>
+      <p:sp>
+        <p:nvSpPr>
+          <p:cNvPr id="38" name="テキスト ボックス 37">
+            <a:extLst>
+              <a:ext uri="{FF2B5EF4-FFF2-40B4-BE49-F238E27FC236}">
+                <a16:creationId xmlns:a16="http://schemas.microsoft.com/office/drawing/2014/main" id="{1B7B19B0-7C75-C894-92DE-2A8D32FF2E32}"/>
+              </a:ext>
+            </a:extLst>
+          </p:cNvPr>
+          <p:cNvSpPr txBox="1"/>
+          <p:nvPr/>
+        </p:nvSpPr>
+        <p:spPr>
+          <a:xfrm>
+            <a:off x="2825862" y="4714925"/>
+            <a:ext cx="1733910" cy="461665"/>
+          </a:xfrm>
+          <a:prstGeom prst="rect">
+            <a:avLst/>
+          </a:prstGeom>
+          <a:noFill/>
+        </p:spPr>
+        <p:txBody>
+          <a:bodyPr wrap="square" rtlCol="0">
+            <a:spAutoFit/>
+          </a:bodyPr>
+          <a:lstStyle/>
+          <a:p>
+            <a:pPr algn="r"/>
+            <a:r>
+              <a:rPr lang="ja-JP" altLang="en-US" sz="2400" b="1">
+                <a:solidFill>
+                  <a:srgbClr val="C00000"/>
+                </a:solidFill>
+              </a:rPr>
+              <a:t>参照</a:t>
+            </a:r>
+            <a:endParaRPr kumimoji="1" lang="ja-JP" altLang="en-US" sz="2400" b="1">
+              <a:solidFill>
+                <a:srgbClr val="C00000"/>
+              </a:solidFill>
+            </a:endParaRPr>
+          </a:p>
+        </p:txBody>
+      </p:sp>
+      <p:sp>
+        <p:nvSpPr>
+          <p:cNvPr id="42" name="テキスト ボックス 41">
+            <a:extLst>
+              <a:ext uri="{FF2B5EF4-FFF2-40B4-BE49-F238E27FC236}">
+                <a16:creationId xmlns:a16="http://schemas.microsoft.com/office/drawing/2014/main" id="{8D6DC699-A15D-FD75-BE3F-D47A35C0BE48}"/>
+              </a:ext>
+            </a:extLst>
+          </p:cNvPr>
+          <p:cNvSpPr txBox="1"/>
+          <p:nvPr/>
+        </p:nvSpPr>
+        <p:spPr>
+          <a:xfrm>
+            <a:off x="180000" y="5192274"/>
+            <a:ext cx="7032474" cy="923330"/>
+          </a:xfrm>
+          <a:prstGeom prst="rect">
+            <a:avLst/>
+          </a:prstGeom>
+          <a:noFill/>
+        </p:spPr>
+        <p:txBody>
+          <a:bodyPr wrap="square" rtlCol="0">
+            <a:spAutoFit/>
+          </a:bodyPr>
+          <a:lstStyle/>
+          <a:p>
+            <a:r>
+              <a:rPr kumimoji="1" lang="ja-JP" altLang="en-US"/>
+              <a:t>ゲームワールドはゲームオブジェクトを左辺値参照</a:t>
+            </a:r>
+            <a:endParaRPr kumimoji="1" lang="en-US" altLang="ja-JP"/>
+          </a:p>
+          <a:p>
+            <a:r>
+              <a:rPr kumimoji="1" lang="ja-JP" altLang="en-US"/>
+              <a:t>イベントキューはイベントを右辺値参照</a:t>
+            </a:r>
+            <a:endParaRPr kumimoji="1" lang="en-US" altLang="ja-JP"/>
+          </a:p>
+          <a:p>
+            <a:r>
+              <a:rPr lang="en-US" altLang="ja-JP"/>
+              <a:t>(</a:t>
+            </a:r>
+            <a:r>
+              <a:rPr lang="ja-JP" altLang="en-US"/>
+              <a:t>なんか偶然やりたいことが参照とまったく同じ概念だった</a:t>
+            </a:r>
+            <a:r>
+              <a:rPr lang="en-US" altLang="ja-JP"/>
+              <a:t>)</a:t>
+            </a:r>
+            <a:endParaRPr lang="ja-JP" altLang="en-US"/>
+          </a:p>
+        </p:txBody>
+      </p:sp>
+      <p:sp>
+        <p:nvSpPr>
+          <p:cNvPr id="47" name="テキスト ボックス 46">
+            <a:extLst>
+              <a:ext uri="{FF2B5EF4-FFF2-40B4-BE49-F238E27FC236}">
+                <a16:creationId xmlns:a16="http://schemas.microsoft.com/office/drawing/2014/main" id="{47D02109-C7F3-8585-8D89-04D3D65E02CA}"/>
+              </a:ext>
+            </a:extLst>
+          </p:cNvPr>
+          <p:cNvSpPr txBox="1"/>
+          <p:nvPr/>
+        </p:nvSpPr>
+        <p:spPr>
+          <a:xfrm>
+            <a:off x="2463493" y="839861"/>
+            <a:ext cx="1611239" cy="369332"/>
+          </a:xfrm>
+          <a:prstGeom prst="rect">
+            <a:avLst/>
+          </a:prstGeom>
+          <a:noFill/>
+        </p:spPr>
+        <p:txBody>
+          <a:bodyPr wrap="square" rtlCol="0">
+            <a:spAutoFit/>
+          </a:bodyPr>
+          <a:lstStyle/>
+          <a:p>
+            <a:r>
+              <a:rPr lang="en-US" altLang="ja-JP">
+                <a:latin typeface="Consolas" panose="020B0609020204030204" pitchFamily="49" charset="0"/>
+              </a:rPr>
+              <a:t>NeneServer</a:t>
+            </a:r>
+          </a:p>
+        </p:txBody>
+      </p:sp>
+      <p:sp>
+        <p:nvSpPr>
+          <p:cNvPr id="48" name="テキスト ボックス 47">
+            <a:extLst>
+              <a:ext uri="{FF2B5EF4-FFF2-40B4-BE49-F238E27FC236}">
+                <a16:creationId xmlns:a16="http://schemas.microsoft.com/office/drawing/2014/main" id="{3E21C5C3-662A-47B4-D21D-C6941385BA1F}"/>
+              </a:ext>
+            </a:extLst>
+          </p:cNvPr>
+          <p:cNvSpPr txBox="1"/>
+          <p:nvPr/>
+        </p:nvSpPr>
+        <p:spPr>
+          <a:xfrm>
+            <a:off x="2646918" y="1368930"/>
+            <a:ext cx="1427814" cy="646331"/>
+          </a:xfrm>
+          <a:prstGeom prst="rect">
+            <a:avLst/>
+          </a:prstGeom>
+          <a:noFill/>
+        </p:spPr>
+        <p:txBody>
+          <a:bodyPr wrap="square" rtlCol="0">
+            <a:spAutoFit/>
+          </a:bodyPr>
+          <a:lstStyle/>
+          <a:p>
+            <a:r>
+              <a:rPr lang="ja-JP" altLang="en-US">
+                <a:latin typeface="Consolas" panose="020B0609020204030204" pitchFamily="49" charset="0"/>
+              </a:rPr>
+              <a:t>各サービス</a:t>
+            </a:r>
+            <a:endParaRPr lang="en-US" altLang="ja-JP">
+              <a:latin typeface="Consolas" panose="020B0609020204030204" pitchFamily="49" charset="0"/>
+            </a:endParaRPr>
+          </a:p>
+          <a:p>
+            <a:r>
+              <a:rPr lang="en-US" altLang="ja-JP">
+                <a:latin typeface="Consolas" panose="020B0609020204030204" pitchFamily="49" charset="0"/>
+              </a:rPr>
+              <a:t>(</a:t>
+            </a:r>
+            <a:r>
+              <a:rPr lang="ja-JP" altLang="en-US">
+                <a:latin typeface="Consolas" panose="020B0609020204030204" pitchFamily="49" charset="0"/>
+              </a:rPr>
+              <a:t>値メンバ</a:t>
+            </a:r>
+            <a:r>
+              <a:rPr lang="en-US" altLang="ja-JP">
+                <a:latin typeface="Consolas" panose="020B0609020204030204" pitchFamily="49" charset="0"/>
+              </a:rPr>
+              <a:t>)</a:t>
+            </a:r>
+          </a:p>
+        </p:txBody>
+      </p:sp>
+      <p:sp>
+        <p:nvSpPr>
+          <p:cNvPr id="55" name="テキスト ボックス 54">
+            <a:extLst>
+              <a:ext uri="{FF2B5EF4-FFF2-40B4-BE49-F238E27FC236}">
+                <a16:creationId xmlns:a16="http://schemas.microsoft.com/office/drawing/2014/main" id="{275226D9-23AB-75DD-0053-57CA4E7735FD}"/>
+              </a:ext>
+            </a:extLst>
+          </p:cNvPr>
+          <p:cNvSpPr txBox="1"/>
+          <p:nvPr/>
+        </p:nvSpPr>
+        <p:spPr>
+          <a:xfrm>
+            <a:off x="7384817" y="4841128"/>
+            <a:ext cx="4172992" cy="646331"/>
+          </a:xfrm>
+          <a:prstGeom prst="rect">
+            <a:avLst/>
+          </a:prstGeom>
+          <a:noFill/>
+        </p:spPr>
+        <p:txBody>
+          <a:bodyPr wrap="square" rtlCol="0">
+            <a:spAutoFit/>
+          </a:bodyPr>
+          <a:lstStyle/>
+          <a:p>
+            <a:r>
+              <a:rPr lang="en-US" altLang="ja-JP">
+                <a:latin typeface="Consolas" panose="020B0609020204030204" pitchFamily="49" charset="0"/>
+              </a:rPr>
+              <a:t>std::unique_ptr&lt;NeneObject&gt;</a:t>
+            </a:r>
+          </a:p>
+          <a:p>
+            <a:r>
+              <a:rPr lang="ja-JP" altLang="en-US">
+                <a:latin typeface="Consolas" panose="020B0609020204030204" pitchFamily="49" charset="0"/>
+              </a:rPr>
+              <a:t>で</a:t>
+            </a:r>
+            <a:r>
+              <a:rPr lang="ja-JP" altLang="en-US" b="1">
+                <a:latin typeface="Consolas" panose="020B0609020204030204" pitchFamily="49" charset="0"/>
+              </a:rPr>
+              <a:t>専有</a:t>
+            </a:r>
+            <a:endParaRPr lang="en-US" altLang="ja-JP" b="1">
+              <a:latin typeface="Consolas" panose="020B0609020204030204" pitchFamily="49" charset="0"/>
+            </a:endParaRPr>
+          </a:p>
+        </p:txBody>
+      </p:sp>
+      <p:sp>
+        <p:nvSpPr>
+          <p:cNvPr id="59" name="テキスト ボックス 58">
+            <a:extLst>
+              <a:ext uri="{FF2B5EF4-FFF2-40B4-BE49-F238E27FC236}">
+                <a16:creationId xmlns:a16="http://schemas.microsoft.com/office/drawing/2014/main" id="{DF6CE647-BB97-C2B4-9A66-3E7A1779F124}"/>
+              </a:ext>
+            </a:extLst>
+          </p:cNvPr>
+          <p:cNvSpPr txBox="1"/>
+          <p:nvPr/>
+        </p:nvSpPr>
+        <p:spPr>
+          <a:xfrm>
+            <a:off x="5483230" y="4667770"/>
+            <a:ext cx="2367079" cy="369332"/>
+          </a:xfrm>
+          <a:prstGeom prst="rect">
+            <a:avLst/>
+          </a:prstGeom>
+          <a:noFill/>
+        </p:spPr>
+        <p:txBody>
+          <a:bodyPr wrap="square" rtlCol="0">
+            <a:spAutoFit/>
+          </a:bodyPr>
+          <a:lstStyle/>
+          <a:p>
+            <a:r>
+              <a:rPr lang="en-US" altLang="ja-JP">
+                <a:latin typeface="Consolas" panose="020B0609020204030204" pitchFamily="49" charset="0"/>
+              </a:rPr>
+              <a:t>NeneObject</a:t>
+            </a:r>
+          </a:p>
+        </p:txBody>
+      </p:sp>
+      <p:sp>
+        <p:nvSpPr>
+          <p:cNvPr id="60" name="テキスト ボックス 59">
+            <a:extLst>
+              <a:ext uri="{FF2B5EF4-FFF2-40B4-BE49-F238E27FC236}">
+                <a16:creationId xmlns:a16="http://schemas.microsoft.com/office/drawing/2014/main" id="{2E4C5C5A-95D0-2F66-8548-0516F0922C4F}"/>
+              </a:ext>
+            </a:extLst>
+          </p:cNvPr>
+          <p:cNvSpPr txBox="1"/>
+          <p:nvPr/>
+        </p:nvSpPr>
+        <p:spPr>
+          <a:xfrm>
+            <a:off x="7957080" y="889923"/>
+            <a:ext cx="2367079" cy="369332"/>
+          </a:xfrm>
+          <a:prstGeom prst="rect">
+            <a:avLst/>
+          </a:prstGeom>
+          <a:noFill/>
+        </p:spPr>
+        <p:txBody>
+          <a:bodyPr wrap="square" rtlCol="0">
+            <a:spAutoFit/>
+          </a:bodyPr>
+          <a:lstStyle/>
+          <a:p>
+            <a:r>
+              <a:rPr lang="en-US" altLang="ja-JP">
+                <a:latin typeface="Consolas" panose="020B0609020204030204" pitchFamily="49" charset="0"/>
+              </a:rPr>
+              <a:t>NeneNode</a:t>
+            </a:r>
+          </a:p>
+        </p:txBody>
+      </p:sp>
+      <p:sp>
+        <p:nvSpPr>
+          <p:cNvPr id="100" name="テキスト ボックス 99">
+            <a:extLst>
+              <a:ext uri="{FF2B5EF4-FFF2-40B4-BE49-F238E27FC236}">
+                <a16:creationId xmlns:a16="http://schemas.microsoft.com/office/drawing/2014/main" id="{4FEE12B8-C0DF-2AB7-D4CC-BF1732DE8DBA}"/>
+              </a:ext>
+            </a:extLst>
+          </p:cNvPr>
+          <p:cNvSpPr txBox="1"/>
+          <p:nvPr/>
+        </p:nvSpPr>
+        <p:spPr>
+          <a:xfrm>
+            <a:off x="180000" y="180000"/>
+            <a:ext cx="3894732" cy="523220"/>
+          </a:xfrm>
+          <a:prstGeom prst="rect">
+            <a:avLst/>
+          </a:prstGeom>
+          <a:noFill/>
+        </p:spPr>
+        <p:txBody>
+          <a:bodyPr wrap="square" rtlCol="0">
+            <a:spAutoFit/>
+          </a:bodyPr>
+          <a:lstStyle/>
+          <a:p>
+            <a:r>
+              <a:rPr lang="ja-JP" altLang="en-US" sz="2800" b="1"/>
+              <a:t>所有権とアクセス権</a:t>
+            </a:r>
+            <a:endParaRPr kumimoji="1" lang="ja-JP" altLang="en-US" sz="2800" b="1"/>
+          </a:p>
+        </p:txBody>
+      </p:sp>
+      <p:cxnSp>
+        <p:nvCxnSpPr>
+          <p:cNvPr id="142" name="直線矢印コネクタ 141">
+            <a:extLst>
+              <a:ext uri="{FF2B5EF4-FFF2-40B4-BE49-F238E27FC236}">
+                <a16:creationId xmlns:a16="http://schemas.microsoft.com/office/drawing/2014/main" id="{2EB9C6E9-1CA4-198D-2E1A-8978D4F413BE}"/>
+              </a:ext>
+            </a:extLst>
+          </p:cNvPr>
+          <p:cNvCxnSpPr>
+            <a:stCxn id="3" idx="2"/>
+          </p:cNvCxnSpPr>
+          <p:nvPr/>
+        </p:nvCxnSpPr>
+        <p:spPr>
+          <a:xfrm flipH="1">
+            <a:off x="4521277" y="4287011"/>
+            <a:ext cx="3971464" cy="0"/>
+          </a:xfrm>
+          <a:prstGeom prst="straightConnector1">
+            <a:avLst/>
+          </a:prstGeom>
+          <a:ln>
+            <a:solidFill>
+              <a:schemeClr val="bg1">
+                <a:lumMod val="50000"/>
+              </a:schemeClr>
+            </a:solidFill>
+            <a:prstDash val="dash"/>
+            <a:tailEnd type="triangle"/>
+          </a:ln>
+        </p:spPr>
+        <p:style>
+          <a:lnRef idx="2">
+            <a:schemeClr val="accent1"/>
+          </a:lnRef>
+          <a:fillRef idx="0">
+            <a:schemeClr val="accent1"/>
+          </a:fillRef>
+          <a:effectRef idx="1">
+            <a:schemeClr val="accent1"/>
+          </a:effectRef>
+          <a:fontRef idx="minor">
+            <a:schemeClr val="tx1"/>
+          </a:fontRef>
+        </p:style>
+      </p:cxnSp>
     </p:spTree>
     <p:extLst>
       <p:ext uri="{BB962C8B-B14F-4D97-AF65-F5344CB8AC3E}">
@@ -9507,6 +10644,657 @@
 </file>
 
 <file path=ppt/slides/slide6.xml><?xml version="1.0" encoding="utf-8"?>
+<p:sld xmlns:a="http://schemas.openxmlformats.org/drawingml/2006/main" xmlns:r="http://schemas.openxmlformats.org/officeDocument/2006/relationships" xmlns:p="http://schemas.openxmlformats.org/presentationml/2006/main">
+  <p:cSld>
+    <p:spTree>
+      <p:nvGrpSpPr>
+        <p:cNvPr id="1" name=""/>
+        <p:cNvGrpSpPr/>
+        <p:nvPr/>
+      </p:nvGrpSpPr>
+      <p:grpSpPr>
+        <a:xfrm>
+          <a:off x="0" y="0"/>
+          <a:ext cx="0" cy="0"/>
+          <a:chOff x="0" y="0"/>
+          <a:chExt cx="0" cy="0"/>
+        </a:xfrm>
+      </p:grpSpPr>
+      <p:graphicFrame>
+        <p:nvGraphicFramePr>
+          <p:cNvPr id="4" name="表 3">
+            <a:extLst>
+              <a:ext uri="{FF2B5EF4-FFF2-40B4-BE49-F238E27FC236}">
+                <a16:creationId xmlns:a16="http://schemas.microsoft.com/office/drawing/2014/main" id="{0D443247-7AC7-5C4B-AA76-9909F147C2C2}"/>
+              </a:ext>
+            </a:extLst>
+          </p:cNvPr>
+          <p:cNvGraphicFramePr>
+            <a:graphicFrameLocks noGrp="1"/>
+          </p:cNvGraphicFramePr>
+          <p:nvPr>
+            <p:extLst>
+              <p:ext uri="{D42A27DB-BD31-4B8C-83A1-F6EECF244321}">
+                <p14:modId xmlns:p14="http://schemas.microsoft.com/office/powerpoint/2010/main" val="1631687454"/>
+              </p:ext>
+            </p:extLst>
+          </p:nvPr>
+        </p:nvGraphicFramePr>
+        <p:xfrm>
+          <a:off x="370980" y="887446"/>
+          <a:ext cx="6877110" cy="2225040"/>
+        </p:xfrm>
+        <a:graphic>
+          <a:graphicData uri="http://schemas.openxmlformats.org/drawingml/2006/table">
+            <a:tbl>
+              <a:tblPr firstRow="1" bandRow="1">
+                <a:tableStyleId>{5C22544A-7EE6-4342-B048-85BDC9FD1C3A}</a:tableStyleId>
+              </a:tblPr>
+              <a:tblGrid>
+                <a:gridCol w="2070216">
+                  <a:extLst>
+                    <a:ext uri="{9D8B030D-6E8A-4147-A177-3AD203B41FA5}">
+                      <a16:colId xmlns:a16="http://schemas.microsoft.com/office/drawing/2014/main" val="2566191639"/>
+                    </a:ext>
+                  </a:extLst>
+                </a:gridCol>
+                <a:gridCol w="1510019">
+                  <a:extLst>
+                    <a:ext uri="{9D8B030D-6E8A-4147-A177-3AD203B41FA5}">
+                      <a16:colId xmlns:a16="http://schemas.microsoft.com/office/drawing/2014/main" val="3373910268"/>
+                    </a:ext>
+                  </a:extLst>
+                </a:gridCol>
+                <a:gridCol w="3296875">
+                  <a:extLst>
+                    <a:ext uri="{9D8B030D-6E8A-4147-A177-3AD203B41FA5}">
+                      <a16:colId xmlns:a16="http://schemas.microsoft.com/office/drawing/2014/main" val="1565392553"/>
+                    </a:ext>
+                  </a:extLst>
+                </a:gridCol>
+              </a:tblGrid>
+              <a:tr h="370840">
+                <a:tc>
+                  <a:txBody>
+                    <a:bodyPr/>
+                    <a:lstStyle/>
+                    <a:p>
+                      <a:endParaRPr kumimoji="1" lang="ja-JP" altLang="en-US"/>
+                    </a:p>
+                  </a:txBody>
+                  <a:tcPr/>
+                </a:tc>
+                <a:tc>
+                  <a:txBody>
+                    <a:bodyPr/>
+                    <a:lstStyle/>
+                    <a:p>
+                      <a:endParaRPr kumimoji="1" lang="ja-JP" altLang="en-US"/>
+                    </a:p>
+                  </a:txBody>
+                  <a:tcPr/>
+                </a:tc>
+                <a:tc>
+                  <a:txBody>
+                    <a:bodyPr/>
+                    <a:lstStyle/>
+                    <a:p>
+                      <a:endParaRPr kumimoji="1" lang="ja-JP" altLang="en-US"/>
+                    </a:p>
+                  </a:txBody>
+                  <a:tcPr/>
+                </a:tc>
+                <a:extLst>
+                  <a:ext uri="{0D108BD9-81ED-4DB2-BD59-A6C34878D82A}">
+                    <a16:rowId xmlns:a16="http://schemas.microsoft.com/office/drawing/2014/main" val="3308063030"/>
+                  </a:ext>
+                </a:extLst>
+              </a:tr>
+              <a:tr h="370840">
+                <a:tc>
+                  <a:txBody>
+                    <a:bodyPr/>
+                    <a:lstStyle/>
+                    <a:p>
+                      <a:pPr algn="ctr"/>
+                      <a:r>
+                        <a:rPr kumimoji="1" lang="en-US" altLang="ja-JP">
+                          <a:latin typeface="Consolas" panose="020B0609020204030204" pitchFamily="49" charset="0"/>
+                        </a:rPr>
+                        <a:t>NeneCamera</a:t>
+                      </a:r>
+                      <a:endParaRPr kumimoji="1" lang="ja-JP" altLang="en-US">
+                        <a:latin typeface="Consolas" panose="020B0609020204030204" pitchFamily="49" charset="0"/>
+                      </a:endParaRPr>
+                    </a:p>
+                  </a:txBody>
+                  <a:tcPr anchor="ctr"/>
+                </a:tc>
+                <a:tc>
+                  <a:txBody>
+                    <a:bodyPr/>
+                    <a:lstStyle/>
+                    <a:p>
+                      <a:pPr algn="ctr"/>
+                      <a:r>
+                        <a:rPr kumimoji="1" lang="en-US" altLang="ja-JP">
+                          <a:latin typeface="Consolas" panose="020B0609020204030204" pitchFamily="49" charset="0"/>
+                        </a:rPr>
+                        <a:t>camera</a:t>
+                      </a:r>
+                      <a:endParaRPr kumimoji="1" lang="ja-JP" altLang="en-US">
+                        <a:latin typeface="Consolas" panose="020B0609020204030204" pitchFamily="49" charset="0"/>
+                      </a:endParaRPr>
+                    </a:p>
+                  </a:txBody>
+                  <a:tcPr anchor="ctr"/>
+                </a:tc>
+                <a:tc>
+                  <a:txBody>
+                    <a:bodyPr/>
+                    <a:lstStyle/>
+                    <a:p>
+                      <a:pPr algn="ctr"/>
+                      <a:endParaRPr kumimoji="1" lang="ja-JP" altLang="en-US">
+                        <a:latin typeface="Consolas" panose="020B0609020204030204" pitchFamily="49" charset="0"/>
+                      </a:endParaRPr>
+                    </a:p>
+                  </a:txBody>
+                  <a:tcPr anchor="ctr"/>
+                </a:tc>
+                <a:extLst>
+                  <a:ext uri="{0D108BD9-81ED-4DB2-BD59-A6C34878D82A}">
+                    <a16:rowId xmlns:a16="http://schemas.microsoft.com/office/drawing/2014/main" val="2032702628"/>
+                  </a:ext>
+                </a:extLst>
+              </a:tr>
+              <a:tr h="370840">
+                <a:tc>
+                  <a:txBody>
+                    <a:bodyPr/>
+                    <a:lstStyle/>
+                    <a:p>
+                      <a:pPr algn="ctr"/>
+                      <a:r>
+                        <a:rPr kumimoji="1" lang="en-US" altLang="ja-JP">
+                          <a:latin typeface="Consolas" panose="020B0609020204030204" pitchFamily="49" charset="0"/>
+                        </a:rPr>
+                        <a:t>NeneCompositor</a:t>
+                      </a:r>
+                      <a:endParaRPr kumimoji="1" lang="ja-JP" altLang="en-US">
+                        <a:latin typeface="Consolas" panose="020B0609020204030204" pitchFamily="49" charset="0"/>
+                      </a:endParaRPr>
+                    </a:p>
+                  </a:txBody>
+                  <a:tcPr anchor="ctr"/>
+                </a:tc>
+                <a:tc>
+                  <a:txBody>
+                    <a:bodyPr/>
+                    <a:lstStyle/>
+                    <a:p>
+                      <a:pPr algn="ctr"/>
+                      <a:r>
+                        <a:rPr kumimoji="1" lang="en-US" altLang="ja-JP">
+                          <a:latin typeface="Consolas" panose="020B0609020204030204" pitchFamily="49" charset="0"/>
+                        </a:rPr>
+                        <a:t>compositor</a:t>
+                      </a:r>
+                      <a:endParaRPr kumimoji="1" lang="ja-JP" altLang="en-US">
+                        <a:latin typeface="Consolas" panose="020B0609020204030204" pitchFamily="49" charset="0"/>
+                      </a:endParaRPr>
+                    </a:p>
+                  </a:txBody>
+                  <a:tcPr anchor="ctr"/>
+                </a:tc>
+                <a:tc>
+                  <a:txBody>
+                    <a:bodyPr/>
+                    <a:lstStyle/>
+                    <a:p>
+                      <a:pPr algn="ctr"/>
+                      <a:endParaRPr kumimoji="1" lang="ja-JP" altLang="en-US">
+                        <a:latin typeface="Consolas" panose="020B0609020204030204" pitchFamily="49" charset="0"/>
+                      </a:endParaRPr>
+                    </a:p>
+                  </a:txBody>
+                  <a:tcPr anchor="ctr"/>
+                </a:tc>
+                <a:extLst>
+                  <a:ext uri="{0D108BD9-81ED-4DB2-BD59-A6C34878D82A}">
+                    <a16:rowId xmlns:a16="http://schemas.microsoft.com/office/drawing/2014/main" val="1475720117"/>
+                  </a:ext>
+                </a:extLst>
+              </a:tr>
+              <a:tr h="370840">
+                <a:tc>
+                  <a:txBody>
+                    <a:bodyPr/>
+                    <a:lstStyle/>
+                    <a:p>
+                      <a:pPr algn="ctr"/>
+                      <a:r>
+                        <a:rPr kumimoji="1" lang="en-US" altLang="ja-JP">
+                          <a:latin typeface="Consolas" panose="020B0609020204030204" pitchFamily="49" charset="0"/>
+                        </a:rPr>
+                        <a:t>NeneViewWorld</a:t>
+                      </a:r>
+                      <a:endParaRPr kumimoji="1" lang="ja-JP" altLang="en-US">
+                        <a:latin typeface="Consolas" panose="020B0609020204030204" pitchFamily="49" charset="0"/>
+                      </a:endParaRPr>
+                    </a:p>
+                  </a:txBody>
+                  <a:tcPr anchor="ctr"/>
+                </a:tc>
+                <a:tc>
+                  <a:txBody>
+                    <a:bodyPr/>
+                    <a:lstStyle/>
+                    <a:p>
+                      <a:pPr algn="ctr"/>
+                      <a:endParaRPr kumimoji="1" lang="ja-JP" altLang="en-US">
+                        <a:latin typeface="Consolas" panose="020B0609020204030204" pitchFamily="49" charset="0"/>
+                      </a:endParaRPr>
+                    </a:p>
+                  </a:txBody>
+                  <a:tcPr anchor="ctr"/>
+                </a:tc>
+                <a:tc>
+                  <a:txBody>
+                    <a:bodyPr/>
+                    <a:lstStyle/>
+                    <a:p>
+                      <a:pPr algn="ctr"/>
+                      <a:endParaRPr kumimoji="1" lang="ja-JP" altLang="en-US">
+                        <a:latin typeface="Consolas" panose="020B0609020204030204" pitchFamily="49" charset="0"/>
+                      </a:endParaRPr>
+                    </a:p>
+                  </a:txBody>
+                  <a:tcPr anchor="ctr"/>
+                </a:tc>
+                <a:extLst>
+                  <a:ext uri="{0D108BD9-81ED-4DB2-BD59-A6C34878D82A}">
+                    <a16:rowId xmlns:a16="http://schemas.microsoft.com/office/drawing/2014/main" val="1173491076"/>
+                  </a:ext>
+                </a:extLst>
+              </a:tr>
+              <a:tr h="370840">
+                <a:tc>
+                  <a:txBody>
+                    <a:bodyPr/>
+                    <a:lstStyle/>
+                    <a:p>
+                      <a:pPr algn="ctr"/>
+                      <a:r>
+                        <a:rPr kumimoji="1" lang="en-US" altLang="ja-JP">
+                          <a:latin typeface="Consolas" panose="020B0609020204030204" pitchFamily="49" charset="0"/>
+                        </a:rPr>
+                        <a:t>NeneSuperimpose</a:t>
+                      </a:r>
+                      <a:endParaRPr kumimoji="1" lang="ja-JP" altLang="en-US">
+                        <a:latin typeface="Consolas" panose="020B0609020204030204" pitchFamily="49" charset="0"/>
+                      </a:endParaRPr>
+                    </a:p>
+                  </a:txBody>
+                  <a:tcPr anchor="ctr"/>
+                </a:tc>
+                <a:tc>
+                  <a:txBody>
+                    <a:bodyPr/>
+                    <a:lstStyle/>
+                    <a:p>
+                      <a:pPr algn="ctr"/>
+                      <a:endParaRPr kumimoji="1" lang="ja-JP" altLang="en-US">
+                        <a:latin typeface="Consolas" panose="020B0609020204030204" pitchFamily="49" charset="0"/>
+                      </a:endParaRPr>
+                    </a:p>
+                  </a:txBody>
+                  <a:tcPr anchor="ctr"/>
+                </a:tc>
+                <a:tc>
+                  <a:txBody>
+                    <a:bodyPr/>
+                    <a:lstStyle/>
+                    <a:p>
+                      <a:pPr algn="ctr"/>
+                      <a:endParaRPr kumimoji="1" lang="ja-JP" altLang="en-US">
+                        <a:latin typeface="Consolas" panose="020B0609020204030204" pitchFamily="49" charset="0"/>
+                      </a:endParaRPr>
+                    </a:p>
+                  </a:txBody>
+                  <a:tcPr anchor="ctr"/>
+                </a:tc>
+                <a:extLst>
+                  <a:ext uri="{0D108BD9-81ED-4DB2-BD59-A6C34878D82A}">
+                    <a16:rowId xmlns:a16="http://schemas.microsoft.com/office/drawing/2014/main" val="436676690"/>
+                  </a:ext>
+                </a:extLst>
+              </a:tr>
+              <a:tr h="370840">
+                <a:tc>
+                  <a:txBody>
+                    <a:bodyPr/>
+                    <a:lstStyle/>
+                    <a:p>
+                      <a:pPr algn="ctr"/>
+                      <a:r>
+                        <a:rPr kumimoji="1" lang="en-US" altLang="ja-JP">
+                          <a:latin typeface="Consolas" panose="020B0609020204030204" pitchFamily="49" charset="0"/>
+                        </a:rPr>
+                        <a:t>NeneEventQueue</a:t>
+                      </a:r>
+                      <a:endParaRPr kumimoji="1" lang="ja-JP" altLang="en-US">
+                        <a:latin typeface="Consolas" panose="020B0609020204030204" pitchFamily="49" charset="0"/>
+                      </a:endParaRPr>
+                    </a:p>
+                  </a:txBody>
+                  <a:tcPr anchor="ctr"/>
+                </a:tc>
+                <a:tc>
+                  <a:txBody>
+                    <a:bodyPr/>
+                    <a:lstStyle/>
+                    <a:p>
+                      <a:pPr algn="ctr"/>
+                      <a:endParaRPr kumimoji="1" lang="ja-JP" altLang="en-US">
+                        <a:latin typeface="Consolas" panose="020B0609020204030204" pitchFamily="49" charset="0"/>
+                      </a:endParaRPr>
+                    </a:p>
+                  </a:txBody>
+                  <a:tcPr anchor="ctr"/>
+                </a:tc>
+                <a:tc>
+                  <a:txBody>
+                    <a:bodyPr/>
+                    <a:lstStyle/>
+                    <a:p>
+                      <a:pPr algn="ctr"/>
+                      <a:endParaRPr kumimoji="1" lang="ja-JP" altLang="en-US">
+                        <a:latin typeface="Consolas" panose="020B0609020204030204" pitchFamily="49" charset="0"/>
+                      </a:endParaRPr>
+                    </a:p>
+                  </a:txBody>
+                  <a:tcPr anchor="ctr"/>
+                </a:tc>
+                <a:extLst>
+                  <a:ext uri="{0D108BD9-81ED-4DB2-BD59-A6C34878D82A}">
+                    <a16:rowId xmlns:a16="http://schemas.microsoft.com/office/drawing/2014/main" val="3167560039"/>
+                  </a:ext>
+                </a:extLst>
+              </a:tr>
+            </a:tbl>
+          </a:graphicData>
+        </a:graphic>
+      </p:graphicFrame>
+      <p:sp>
+        <p:nvSpPr>
+          <p:cNvPr id="6" name="楕円 5">
+            <a:extLst>
+              <a:ext uri="{FF2B5EF4-FFF2-40B4-BE49-F238E27FC236}">
+                <a16:creationId xmlns:a16="http://schemas.microsoft.com/office/drawing/2014/main" id="{2C312A40-138C-BCC9-57E2-7240AEE737B1}"/>
+              </a:ext>
+            </a:extLst>
+          </p:cNvPr>
+          <p:cNvSpPr>
+            <a:spLocks noChangeAspect="1"/>
+          </p:cNvSpPr>
+          <p:nvPr/>
+        </p:nvSpPr>
+        <p:spPr>
+          <a:xfrm>
+            <a:off x="8613732" y="2157076"/>
+            <a:ext cx="360000" cy="360000"/>
+          </a:xfrm>
+          <a:prstGeom prst="ellipse">
+            <a:avLst/>
+          </a:prstGeom>
+          <a:ln>
+            <a:noFill/>
+          </a:ln>
+        </p:spPr>
+        <p:style>
+          <a:lnRef idx="2">
+            <a:schemeClr val="accent1">
+              <a:shade val="15000"/>
+            </a:schemeClr>
+          </a:lnRef>
+          <a:fillRef idx="1">
+            <a:schemeClr val="accent1"/>
+          </a:fillRef>
+          <a:effectRef idx="0">
+            <a:schemeClr val="accent1"/>
+          </a:effectRef>
+          <a:fontRef idx="minor">
+            <a:schemeClr val="lt1"/>
+          </a:fontRef>
+        </p:style>
+        <p:txBody>
+          <a:bodyPr rtlCol="0" anchor="ctr"/>
+          <a:lstStyle/>
+          <a:p>
+            <a:pPr algn="ctr"/>
+            <a:endParaRPr kumimoji="1" lang="ja-JP" altLang="en-US"/>
+          </a:p>
+        </p:txBody>
+      </p:sp>
+      <p:sp>
+        <p:nvSpPr>
+          <p:cNvPr id="7" name="テキスト ボックス 6">
+            <a:extLst>
+              <a:ext uri="{FF2B5EF4-FFF2-40B4-BE49-F238E27FC236}">
+                <a16:creationId xmlns:a16="http://schemas.microsoft.com/office/drawing/2014/main" id="{59F7D028-DDAA-6810-19EF-08FD924A3187}"/>
+              </a:ext>
+            </a:extLst>
+          </p:cNvPr>
+          <p:cNvSpPr txBox="1"/>
+          <p:nvPr/>
+        </p:nvSpPr>
+        <p:spPr>
+          <a:xfrm>
+            <a:off x="9076889" y="2157076"/>
+            <a:ext cx="1442907" cy="646331"/>
+          </a:xfrm>
+          <a:prstGeom prst="rect">
+            <a:avLst/>
+          </a:prstGeom>
+          <a:noFill/>
+        </p:spPr>
+        <p:txBody>
+          <a:bodyPr wrap="square" rtlCol="0">
+            <a:spAutoFit/>
+          </a:bodyPr>
+          <a:lstStyle/>
+          <a:p>
+            <a:r>
+              <a:rPr kumimoji="1" lang="en-US" altLang="ja-JP">
+                <a:latin typeface="Consolas" panose="020B0609020204030204" pitchFamily="49" charset="0"/>
+              </a:rPr>
+              <a:t>window</a:t>
+            </a:r>
+          </a:p>
+          <a:p>
+            <a:r>
+              <a:rPr lang="en-US" altLang="ja-JP">
+                <a:latin typeface="Consolas" panose="020B0609020204030204" pitchFamily="49" charset="0"/>
+              </a:rPr>
+              <a:t>renderer</a:t>
+            </a:r>
+            <a:endParaRPr kumimoji="1" lang="ja-JP" altLang="en-US">
+              <a:latin typeface="Consolas" panose="020B0609020204030204" pitchFamily="49" charset="0"/>
+            </a:endParaRPr>
+          </a:p>
+        </p:txBody>
+      </p:sp>
+      <p:sp>
+        <p:nvSpPr>
+          <p:cNvPr id="8" name="テキスト ボックス 7">
+            <a:extLst>
+              <a:ext uri="{FF2B5EF4-FFF2-40B4-BE49-F238E27FC236}">
+                <a16:creationId xmlns:a16="http://schemas.microsoft.com/office/drawing/2014/main" id="{1FC177E4-D97A-BE51-2F5F-460D1CABC9C3}"/>
+              </a:ext>
+            </a:extLst>
+          </p:cNvPr>
+          <p:cNvSpPr txBox="1"/>
+          <p:nvPr/>
+        </p:nvSpPr>
+        <p:spPr>
+          <a:xfrm>
+            <a:off x="8072278" y="1759918"/>
+            <a:ext cx="1442907" cy="369332"/>
+          </a:xfrm>
+          <a:prstGeom prst="rect">
+            <a:avLst/>
+          </a:prstGeom>
+          <a:noFill/>
+        </p:spPr>
+        <p:txBody>
+          <a:bodyPr wrap="square" rtlCol="0">
+            <a:spAutoFit/>
+          </a:bodyPr>
+          <a:lstStyle/>
+          <a:p>
+            <a:pPr algn="ctr"/>
+            <a:r>
+              <a:rPr kumimoji="1" lang="en-US" altLang="ja-JP">
+                <a:latin typeface="Consolas" panose="020B0609020204030204" pitchFamily="49" charset="0"/>
+              </a:rPr>
+              <a:t>NeneRoot</a:t>
+            </a:r>
+            <a:endParaRPr kumimoji="1" lang="ja-JP" altLang="en-US">
+              <a:latin typeface="Consolas" panose="020B0609020204030204" pitchFamily="49" charset="0"/>
+            </a:endParaRPr>
+          </a:p>
+        </p:txBody>
+      </p:sp>
+      <p:sp>
+        <p:nvSpPr>
+          <p:cNvPr id="9" name="左大かっこ 8">
+            <a:extLst>
+              <a:ext uri="{FF2B5EF4-FFF2-40B4-BE49-F238E27FC236}">
+                <a16:creationId xmlns:a16="http://schemas.microsoft.com/office/drawing/2014/main" id="{83985517-85AF-F0F9-710B-1CFB59EB3FBF}"/>
+              </a:ext>
+            </a:extLst>
+          </p:cNvPr>
+          <p:cNvSpPr/>
+          <p:nvPr/>
+        </p:nvSpPr>
+        <p:spPr>
+          <a:xfrm rot="10800000">
+            <a:off x="7429484" y="1291797"/>
+            <a:ext cx="87051" cy="757158"/>
+          </a:xfrm>
+          <a:prstGeom prst="leftBracket">
+            <a:avLst>
+              <a:gd name="adj" fmla="val 0"/>
+            </a:avLst>
+          </a:prstGeom>
+          <a:ln w="28575">
+            <a:solidFill>
+              <a:schemeClr val="tx1"/>
+            </a:solidFill>
+          </a:ln>
+        </p:spPr>
+        <p:style>
+          <a:lnRef idx="2">
+            <a:schemeClr val="accent1"/>
+          </a:lnRef>
+          <a:fillRef idx="0">
+            <a:schemeClr val="accent1"/>
+          </a:fillRef>
+          <a:effectRef idx="1">
+            <a:schemeClr val="accent1"/>
+          </a:effectRef>
+          <a:fontRef idx="minor">
+            <a:schemeClr val="tx1"/>
+          </a:fontRef>
+        </p:style>
+        <p:txBody>
+          <a:bodyPr rtlCol="0" anchor="ctr"/>
+          <a:lstStyle/>
+          <a:p>
+            <a:pPr algn="ctr"/>
+            <a:endParaRPr kumimoji="1" lang="ja-JP" altLang="en-US"/>
+          </a:p>
+        </p:txBody>
+      </p:sp>
+      <p:sp>
+        <p:nvSpPr>
+          <p:cNvPr id="10" name="テキスト ボックス 9">
+            <a:extLst>
+              <a:ext uri="{FF2B5EF4-FFF2-40B4-BE49-F238E27FC236}">
+                <a16:creationId xmlns:a16="http://schemas.microsoft.com/office/drawing/2014/main" id="{18911960-E5BA-1B02-320C-385ABFA6DA58}"/>
+              </a:ext>
+            </a:extLst>
+          </p:cNvPr>
+          <p:cNvSpPr txBox="1"/>
+          <p:nvPr/>
+        </p:nvSpPr>
+        <p:spPr>
+          <a:xfrm>
+            <a:off x="7575259" y="1243231"/>
+            <a:ext cx="3288484" cy="523220"/>
+          </a:xfrm>
+          <a:prstGeom prst="rect">
+            <a:avLst/>
+          </a:prstGeom>
+          <a:noFill/>
+        </p:spPr>
+        <p:txBody>
+          <a:bodyPr wrap="square" rtlCol="0">
+            <a:spAutoFit/>
+          </a:bodyPr>
+          <a:lstStyle/>
+          <a:p>
+            <a:r>
+              <a:rPr lang="en-US" altLang="ja-JP" sz="1400">
+                <a:latin typeface="Consolas" panose="020B0609020204030204" pitchFamily="49" charset="0"/>
+              </a:rPr>
+              <a:t>shoot(), compose()</a:t>
+            </a:r>
+            <a:r>
+              <a:rPr lang="ja-JP" altLang="en-US" sz="1400">
+                <a:latin typeface="Consolas" panose="020B0609020204030204" pitchFamily="49" charset="0"/>
+              </a:rPr>
+              <a:t>は</a:t>
+            </a:r>
+            <a:r>
+              <a:rPr lang="en-US" altLang="ja-JP" sz="1400">
+                <a:latin typeface="Consolas" panose="020B0609020204030204" pitchFamily="49" charset="0"/>
+              </a:rPr>
+              <a:t>renderer</a:t>
+            </a:r>
+            <a:r>
+              <a:rPr lang="ja-JP" altLang="en-US" sz="1400">
+                <a:latin typeface="Consolas" panose="020B0609020204030204" pitchFamily="49" charset="0"/>
+              </a:rPr>
+              <a:t>を持ってるルートノードのみが実行可能</a:t>
+            </a:r>
+            <a:r>
+              <a:rPr lang="en-US" altLang="ja-JP" sz="1400">
+                <a:latin typeface="Consolas" panose="020B0609020204030204" pitchFamily="49" charset="0"/>
+              </a:rPr>
+              <a:t>.</a:t>
+            </a:r>
+            <a:endParaRPr kumimoji="1" lang="ja-JP" altLang="en-US" sz="1400">
+              <a:latin typeface="Consolas" panose="020B0609020204030204" pitchFamily="49" charset="0"/>
+            </a:endParaRPr>
+          </a:p>
+        </p:txBody>
+      </p:sp>
+    </p:spTree>
+    <p:extLst>
+      <p:ext uri="{BB962C8B-B14F-4D97-AF65-F5344CB8AC3E}">
+        <p14:creationId xmlns:p14="http://schemas.microsoft.com/office/powerpoint/2010/main" val="195083829"/>
+      </p:ext>
+    </p:extLst>
+  </p:cSld>
+  <p:clrMapOvr>
+    <a:masterClrMapping/>
+  </p:clrMapOvr>
+</p:sld>
+</file>
+
+<file path=ppt/slides/slide7.xml><?xml version="1.0" encoding="utf-8"?>
 <p:sld xmlns:a="http://schemas.openxmlformats.org/drawingml/2006/main" xmlns:r="http://schemas.openxmlformats.org/officeDocument/2006/relationships" xmlns:p="http://schemas.openxmlformats.org/presentationml/2006/main">
   <p:cSld>
     <p:spTree>

--- a/figs/slide.pptx
+++ b/figs/slide.pptx
@@ -203,7 +203,7 @@
           <a:p>
             <a:fld id="{2391F9B9-73E0-4983-B9AF-731D99DE00B9}" type="datetimeFigureOut">
               <a:rPr kumimoji="1" lang="ja-JP" altLang="en-US" smtClean="0"/>
-              <a:t>2025/7/7</a:t>
+              <a:t>2025/7/8</a:t>
             </a:fld>
             <a:endParaRPr kumimoji="1" lang="ja-JP" altLang="en-US"/>
           </a:p>
@@ -733,7 +733,7 @@
           <a:p>
             <a:fld id="{67538CB6-21B6-43C9-8D62-5A4528F2F88D}" type="datetimeFigureOut">
               <a:rPr kumimoji="1" lang="ja-JP" altLang="en-US" smtClean="0"/>
-              <a:t>2025/7/7</a:t>
+              <a:t>2025/7/8</a:t>
             </a:fld>
             <a:endParaRPr kumimoji="1" lang="ja-JP" altLang="en-US"/>
           </a:p>
@@ -963,7 +963,7 @@
           <a:p>
             <a:fld id="{67538CB6-21B6-43C9-8D62-5A4528F2F88D}" type="datetimeFigureOut">
               <a:rPr kumimoji="1" lang="ja-JP" altLang="en-US" smtClean="0"/>
-              <a:t>2025/7/7</a:t>
+              <a:t>2025/7/8</a:t>
             </a:fld>
             <a:endParaRPr kumimoji="1" lang="ja-JP" altLang="en-US"/>
           </a:p>
@@ -1203,7 +1203,7 @@
           <a:p>
             <a:fld id="{67538CB6-21B6-43C9-8D62-5A4528F2F88D}" type="datetimeFigureOut">
               <a:rPr kumimoji="1" lang="ja-JP" altLang="en-US" smtClean="0"/>
-              <a:t>2025/7/7</a:t>
+              <a:t>2025/7/8</a:t>
             </a:fld>
             <a:endParaRPr kumimoji="1" lang="ja-JP" altLang="en-US"/>
           </a:p>
@@ -1433,7 +1433,7 @@
           <a:p>
             <a:fld id="{67538CB6-21B6-43C9-8D62-5A4528F2F88D}" type="datetimeFigureOut">
               <a:rPr kumimoji="1" lang="ja-JP" altLang="en-US" smtClean="0"/>
-              <a:t>2025/7/7</a:t>
+              <a:t>2025/7/8</a:t>
             </a:fld>
             <a:endParaRPr kumimoji="1" lang="ja-JP" altLang="en-US"/>
           </a:p>
@@ -1708,7 +1708,7 @@
           <a:p>
             <a:fld id="{67538CB6-21B6-43C9-8D62-5A4528F2F88D}" type="datetimeFigureOut">
               <a:rPr kumimoji="1" lang="ja-JP" altLang="en-US" smtClean="0"/>
-              <a:t>2025/7/7</a:t>
+              <a:t>2025/7/8</a:t>
             </a:fld>
             <a:endParaRPr kumimoji="1" lang="ja-JP" altLang="en-US"/>
           </a:p>
@@ -2037,7 +2037,7 @@
           <a:p>
             <a:fld id="{67538CB6-21B6-43C9-8D62-5A4528F2F88D}" type="datetimeFigureOut">
               <a:rPr kumimoji="1" lang="ja-JP" altLang="en-US" smtClean="0"/>
-              <a:t>2025/7/7</a:t>
+              <a:t>2025/7/8</a:t>
             </a:fld>
             <a:endParaRPr kumimoji="1" lang="ja-JP" altLang="en-US"/>
           </a:p>
@@ -2513,7 +2513,7 @@
           <a:p>
             <a:fld id="{67538CB6-21B6-43C9-8D62-5A4528F2F88D}" type="datetimeFigureOut">
               <a:rPr kumimoji="1" lang="ja-JP" altLang="en-US" smtClean="0"/>
-              <a:t>2025/7/7</a:t>
+              <a:t>2025/7/8</a:t>
             </a:fld>
             <a:endParaRPr kumimoji="1" lang="ja-JP" altLang="en-US"/>
           </a:p>
@@ -2654,7 +2654,7 @@
           <a:p>
             <a:fld id="{67538CB6-21B6-43C9-8D62-5A4528F2F88D}" type="datetimeFigureOut">
               <a:rPr kumimoji="1" lang="ja-JP" altLang="en-US" smtClean="0"/>
-              <a:t>2025/7/7</a:t>
+              <a:t>2025/7/8</a:t>
             </a:fld>
             <a:endParaRPr kumimoji="1" lang="ja-JP" altLang="en-US"/>
           </a:p>
@@ -2767,7 +2767,7 @@
           <a:p>
             <a:fld id="{67538CB6-21B6-43C9-8D62-5A4528F2F88D}" type="datetimeFigureOut">
               <a:rPr kumimoji="1" lang="ja-JP" altLang="en-US" smtClean="0"/>
-              <a:t>2025/7/7</a:t>
+              <a:t>2025/7/8</a:t>
             </a:fld>
             <a:endParaRPr kumimoji="1" lang="ja-JP" altLang="en-US"/>
           </a:p>
@@ -3110,7 +3110,7 @@
           <a:p>
             <a:fld id="{67538CB6-21B6-43C9-8D62-5A4528F2F88D}" type="datetimeFigureOut">
               <a:rPr kumimoji="1" lang="ja-JP" altLang="en-US" smtClean="0"/>
-              <a:t>2025/7/7</a:t>
+              <a:t>2025/7/8</a:t>
             </a:fld>
             <a:endParaRPr kumimoji="1" lang="ja-JP" altLang="en-US"/>
           </a:p>
@@ -3398,7 +3398,7 @@
           <a:p>
             <a:fld id="{67538CB6-21B6-43C9-8D62-5A4528F2F88D}" type="datetimeFigureOut">
               <a:rPr kumimoji="1" lang="ja-JP" altLang="en-US" smtClean="0"/>
-              <a:t>2025/7/7</a:t>
+              <a:t>2025/7/8</a:t>
             </a:fld>
             <a:endParaRPr kumimoji="1" lang="ja-JP" altLang="en-US"/>
           </a:p>
@@ -3671,7 +3671,7 @@
           <a:p>
             <a:fld id="{67538CB6-21B6-43C9-8D62-5A4528F2F88D}" type="datetimeFigureOut">
               <a:rPr kumimoji="1" lang="ja-JP" altLang="en-US" smtClean="0"/>
-              <a:t>2025/7/7</a:t>
+              <a:t>2025/7/8</a:t>
             </a:fld>
             <a:endParaRPr kumimoji="1" lang="ja-JP" altLang="en-US"/>
           </a:p>
@@ -10124,8 +10124,8 @@
           </a:p>
         </p:txBody>
       </p:sp>
-      <mc:AlternateContent xmlns:mc="http://schemas.openxmlformats.org/markup-compatibility/2006">
-        <mc:Choice xmlns:a14="http://schemas.microsoft.com/office/drawing/2010/main" Requires="a14">
+      <mc:AlternateContent xmlns:mc="http://schemas.openxmlformats.org/markup-compatibility/2006" xmlns:a14="http://schemas.microsoft.com/office/drawing/2010/main">
+        <mc:Choice Requires="a14">
           <p:sp>
             <p:nvSpPr>
               <p:cNvPr id="37" name="テキスト ボックス 36">
@@ -10154,6 +10154,7 @@
               </a:bodyPr>
               <a:lstStyle/>
               <a:p>
+                <a:pPr/>
                 <a14:m>
                   <m:oMathPara xmlns:m="http://schemas.openxmlformats.org/officeDocument/2006/math">
                     <m:oMathParaPr>
@@ -10174,7 +10175,7 @@
             </p:txBody>
           </p:sp>
         </mc:Choice>
-        <mc:Fallback>
+        <mc:Fallback xmlns="">
           <p:sp>
             <p:nvSpPr>
               <p:cNvPr id="37" name="テキスト ボックス 36">
@@ -10630,6 +10631,92 @@
           </a:fontRef>
         </p:style>
       </p:cxnSp>
+      <p:sp>
+        <p:nvSpPr>
+          <p:cNvPr id="5" name="テキスト ボックス 4">
+            <a:extLst>
+              <a:ext uri="{FF2B5EF4-FFF2-40B4-BE49-F238E27FC236}">
+                <a16:creationId xmlns:a16="http://schemas.microsoft.com/office/drawing/2014/main" id="{CB206BA5-A92F-D9E4-B736-D27F7C02AD07}"/>
+              </a:ext>
+            </a:extLst>
+          </p:cNvPr>
+          <p:cNvSpPr txBox="1"/>
+          <p:nvPr/>
+        </p:nvSpPr>
+        <p:spPr>
+          <a:xfrm>
+            <a:off x="7384817" y="5548748"/>
+            <a:ext cx="4716671" cy="338554"/>
+          </a:xfrm>
+          <a:prstGeom prst="rect">
+            <a:avLst/>
+          </a:prstGeom>
+          <a:noFill/>
+        </p:spPr>
+        <p:txBody>
+          <a:bodyPr wrap="square" rtlCol="0">
+            <a:spAutoFit/>
+          </a:bodyPr>
+          <a:lstStyle/>
+          <a:p>
+            <a:r>
+              <a:rPr kumimoji="1" lang="en-US" altLang="ja-JP" sz="1600"/>
+              <a:t>(</a:t>
+            </a:r>
+            <a:r>
+              <a:rPr kumimoji="1" lang="ja-JP" altLang="en-US" sz="1600"/>
+              <a:t>イベントは使い捨てなのでそもそも所有しない</a:t>
+            </a:r>
+            <a:r>
+              <a:rPr kumimoji="1" lang="en-US" altLang="ja-JP" sz="1600"/>
+              <a:t>)</a:t>
+            </a:r>
+            <a:endParaRPr kumimoji="1" lang="ja-JP" altLang="en-US" sz="1600"/>
+          </a:p>
+        </p:txBody>
+      </p:sp>
+      <p:sp>
+        <p:nvSpPr>
+          <p:cNvPr id="8" name="テキスト ボックス 7">
+            <a:extLst>
+              <a:ext uri="{FF2B5EF4-FFF2-40B4-BE49-F238E27FC236}">
+                <a16:creationId xmlns:a16="http://schemas.microsoft.com/office/drawing/2014/main" id="{37818BA9-CDAB-FCF1-C62B-7ED4C4D41D72}"/>
+              </a:ext>
+            </a:extLst>
+          </p:cNvPr>
+          <p:cNvSpPr txBox="1"/>
+          <p:nvPr/>
+        </p:nvSpPr>
+        <p:spPr>
+          <a:xfrm>
+            <a:off x="5788052" y="3942930"/>
+            <a:ext cx="865609" cy="369332"/>
+          </a:xfrm>
+          <a:prstGeom prst="rect">
+            <a:avLst/>
+          </a:prstGeom>
+          <a:noFill/>
+        </p:spPr>
+        <p:txBody>
+          <a:bodyPr wrap="square" rtlCol="0">
+            <a:spAutoFit/>
+          </a:bodyPr>
+          <a:lstStyle/>
+          <a:p>
+            <a:pPr algn="ctr"/>
+            <a:r>
+              <a:rPr kumimoji="1" lang="ja-JP" altLang="en-US">
+                <a:solidFill>
+                  <a:schemeClr val="bg1">
+                    <a:lumMod val="50000"/>
+                  </a:schemeClr>
+                </a:solidFill>
+              </a:rPr>
+              <a:t>参照</a:t>
+            </a:r>
+          </a:p>
+        </p:txBody>
+      </p:sp>
     </p:spTree>
     <p:extLst>
       <p:ext uri="{BB962C8B-B14F-4D97-AF65-F5344CB8AC3E}">

--- a/figs/slide.pptx
+++ b/figs/slide.pptx
@@ -5,7 +5,7 @@
     <p:sldMasterId id="2147483648" r:id="rId1"/>
   </p:sldMasterIdLst>
   <p:notesMasterIdLst>
-    <p:notesMasterId r:id="rId9"/>
+    <p:notesMasterId r:id="rId10"/>
   </p:notesMasterIdLst>
   <p:sldIdLst>
     <p:sldId id="264" r:id="rId2"/>
@@ -14,7 +14,8 @@
     <p:sldId id="260" r:id="rId5"/>
     <p:sldId id="262" r:id="rId6"/>
     <p:sldId id="265" r:id="rId7"/>
-    <p:sldId id="259" r:id="rId8"/>
+    <p:sldId id="266" r:id="rId8"/>
+    <p:sldId id="259" r:id="rId9"/>
   </p:sldIdLst>
   <p:sldSz cx="12192000" cy="6858000"/>
   <p:notesSz cx="6858000" cy="9144000"/>
@@ -203,7 +204,7 @@
           <a:p>
             <a:fld id="{2391F9B9-73E0-4983-B9AF-731D99DE00B9}" type="datetimeFigureOut">
               <a:rPr kumimoji="1" lang="ja-JP" altLang="en-US" smtClean="0"/>
-              <a:t>2025/7/8</a:t>
+              <a:t>2025/7/10</a:t>
             </a:fld>
             <a:endParaRPr kumimoji="1" lang="ja-JP" altLang="en-US"/>
           </a:p>
@@ -733,7 +734,7 @@
           <a:p>
             <a:fld id="{67538CB6-21B6-43C9-8D62-5A4528F2F88D}" type="datetimeFigureOut">
               <a:rPr kumimoji="1" lang="ja-JP" altLang="en-US" smtClean="0"/>
-              <a:t>2025/7/8</a:t>
+              <a:t>2025/7/10</a:t>
             </a:fld>
             <a:endParaRPr kumimoji="1" lang="ja-JP" altLang="en-US"/>
           </a:p>
@@ -963,7 +964,7 @@
           <a:p>
             <a:fld id="{67538CB6-21B6-43C9-8D62-5A4528F2F88D}" type="datetimeFigureOut">
               <a:rPr kumimoji="1" lang="ja-JP" altLang="en-US" smtClean="0"/>
-              <a:t>2025/7/8</a:t>
+              <a:t>2025/7/10</a:t>
             </a:fld>
             <a:endParaRPr kumimoji="1" lang="ja-JP" altLang="en-US"/>
           </a:p>
@@ -1203,7 +1204,7 @@
           <a:p>
             <a:fld id="{67538CB6-21B6-43C9-8D62-5A4528F2F88D}" type="datetimeFigureOut">
               <a:rPr kumimoji="1" lang="ja-JP" altLang="en-US" smtClean="0"/>
-              <a:t>2025/7/8</a:t>
+              <a:t>2025/7/10</a:t>
             </a:fld>
             <a:endParaRPr kumimoji="1" lang="ja-JP" altLang="en-US"/>
           </a:p>
@@ -1433,7 +1434,7 @@
           <a:p>
             <a:fld id="{67538CB6-21B6-43C9-8D62-5A4528F2F88D}" type="datetimeFigureOut">
               <a:rPr kumimoji="1" lang="ja-JP" altLang="en-US" smtClean="0"/>
-              <a:t>2025/7/8</a:t>
+              <a:t>2025/7/10</a:t>
             </a:fld>
             <a:endParaRPr kumimoji="1" lang="ja-JP" altLang="en-US"/>
           </a:p>
@@ -1708,7 +1709,7 @@
           <a:p>
             <a:fld id="{67538CB6-21B6-43C9-8D62-5A4528F2F88D}" type="datetimeFigureOut">
               <a:rPr kumimoji="1" lang="ja-JP" altLang="en-US" smtClean="0"/>
-              <a:t>2025/7/8</a:t>
+              <a:t>2025/7/10</a:t>
             </a:fld>
             <a:endParaRPr kumimoji="1" lang="ja-JP" altLang="en-US"/>
           </a:p>
@@ -2037,7 +2038,7 @@
           <a:p>
             <a:fld id="{67538CB6-21B6-43C9-8D62-5A4528F2F88D}" type="datetimeFigureOut">
               <a:rPr kumimoji="1" lang="ja-JP" altLang="en-US" smtClean="0"/>
-              <a:t>2025/7/8</a:t>
+              <a:t>2025/7/10</a:t>
             </a:fld>
             <a:endParaRPr kumimoji="1" lang="ja-JP" altLang="en-US"/>
           </a:p>
@@ -2513,7 +2514,7 @@
           <a:p>
             <a:fld id="{67538CB6-21B6-43C9-8D62-5A4528F2F88D}" type="datetimeFigureOut">
               <a:rPr kumimoji="1" lang="ja-JP" altLang="en-US" smtClean="0"/>
-              <a:t>2025/7/8</a:t>
+              <a:t>2025/7/10</a:t>
             </a:fld>
             <a:endParaRPr kumimoji="1" lang="ja-JP" altLang="en-US"/>
           </a:p>
@@ -2654,7 +2655,7 @@
           <a:p>
             <a:fld id="{67538CB6-21B6-43C9-8D62-5A4528F2F88D}" type="datetimeFigureOut">
               <a:rPr kumimoji="1" lang="ja-JP" altLang="en-US" smtClean="0"/>
-              <a:t>2025/7/8</a:t>
+              <a:t>2025/7/10</a:t>
             </a:fld>
             <a:endParaRPr kumimoji="1" lang="ja-JP" altLang="en-US"/>
           </a:p>
@@ -2767,7 +2768,7 @@
           <a:p>
             <a:fld id="{67538CB6-21B6-43C9-8D62-5A4528F2F88D}" type="datetimeFigureOut">
               <a:rPr kumimoji="1" lang="ja-JP" altLang="en-US" smtClean="0"/>
-              <a:t>2025/7/8</a:t>
+              <a:t>2025/7/10</a:t>
             </a:fld>
             <a:endParaRPr kumimoji="1" lang="ja-JP" altLang="en-US"/>
           </a:p>
@@ -3110,7 +3111,7 @@
           <a:p>
             <a:fld id="{67538CB6-21B6-43C9-8D62-5A4528F2F88D}" type="datetimeFigureOut">
               <a:rPr kumimoji="1" lang="ja-JP" altLang="en-US" smtClean="0"/>
-              <a:t>2025/7/8</a:t>
+              <a:t>2025/7/10</a:t>
             </a:fld>
             <a:endParaRPr kumimoji="1" lang="ja-JP" altLang="en-US"/>
           </a:p>
@@ -3398,7 +3399,7 @@
           <a:p>
             <a:fld id="{67538CB6-21B6-43C9-8D62-5A4528F2F88D}" type="datetimeFigureOut">
               <a:rPr kumimoji="1" lang="ja-JP" altLang="en-US" smtClean="0"/>
-              <a:t>2025/7/8</a:t>
+              <a:t>2025/7/10</a:t>
             </a:fld>
             <a:endParaRPr kumimoji="1" lang="ja-JP" altLang="en-US"/>
           </a:p>
@@ -3671,7 +3672,7 @@
           <a:p>
             <a:fld id="{67538CB6-21B6-43C9-8D62-5A4528F2F88D}" type="datetimeFigureOut">
               <a:rPr kumimoji="1" lang="ja-JP" altLang="en-US" smtClean="0"/>
-              <a:t>2025/7/8</a:t>
+              <a:t>2025/7/10</a:t>
             </a:fld>
             <a:endParaRPr kumimoji="1" lang="ja-JP" altLang="en-US"/>
           </a:p>
@@ -11382,6 +11383,458 @@
 </file>
 
 <file path=ppt/slides/slide7.xml><?xml version="1.0" encoding="utf-8"?>
+<p:sld xmlns:a="http://schemas.openxmlformats.org/drawingml/2006/main" xmlns:r="http://schemas.openxmlformats.org/officeDocument/2006/relationships" xmlns:p="http://schemas.openxmlformats.org/presentationml/2006/main">
+  <p:cSld>
+    <p:spTree>
+      <p:nvGrpSpPr>
+        <p:cNvPr id="1" name=""/>
+        <p:cNvGrpSpPr/>
+        <p:nvPr/>
+      </p:nvGrpSpPr>
+      <p:grpSpPr>
+        <a:xfrm>
+          <a:off x="0" y="0"/>
+          <a:ext cx="0" cy="0"/>
+          <a:chOff x="0" y="0"/>
+          <a:chExt cx="0" cy="0"/>
+        </a:xfrm>
+      </p:grpSpPr>
+      <p:graphicFrame>
+        <p:nvGraphicFramePr>
+          <p:cNvPr id="4" name="表 3">
+            <a:extLst>
+              <a:ext uri="{FF2B5EF4-FFF2-40B4-BE49-F238E27FC236}">
+                <a16:creationId xmlns:a16="http://schemas.microsoft.com/office/drawing/2014/main" id="{EB496F62-96BF-0470-FF86-D20004DBEBEA}"/>
+              </a:ext>
+            </a:extLst>
+          </p:cNvPr>
+          <p:cNvGraphicFramePr>
+            <a:graphicFrameLocks noGrp="1"/>
+          </p:cNvGraphicFramePr>
+          <p:nvPr>
+            <p:extLst>
+              <p:ext uri="{D42A27DB-BD31-4B8C-83A1-F6EECF244321}">
+                <p14:modId xmlns:p14="http://schemas.microsoft.com/office/powerpoint/2010/main" val="4127724472"/>
+              </p:ext>
+            </p:extLst>
+          </p:nvPr>
+        </p:nvGraphicFramePr>
+        <p:xfrm>
+          <a:off x="941431" y="2523299"/>
+          <a:ext cx="8128000" cy="3708400"/>
+        </p:xfrm>
+        <a:graphic>
+          <a:graphicData uri="http://schemas.openxmlformats.org/drawingml/2006/table">
+            <a:tbl>
+              <a:tblPr firstRow="1" bandRow="1">
+                <a:tableStyleId>{5C22544A-7EE6-4342-B048-85BDC9FD1C3A}</a:tableStyleId>
+              </a:tblPr>
+              <a:tblGrid>
+                <a:gridCol w="1482987">
+                  <a:extLst>
+                    <a:ext uri="{9D8B030D-6E8A-4147-A177-3AD203B41FA5}">
+                      <a16:colId xmlns:a16="http://schemas.microsoft.com/office/drawing/2014/main" val="1500513242"/>
+                    </a:ext>
+                  </a:extLst>
+                </a:gridCol>
+                <a:gridCol w="6645013">
+                  <a:extLst>
+                    <a:ext uri="{9D8B030D-6E8A-4147-A177-3AD203B41FA5}">
+                      <a16:colId xmlns:a16="http://schemas.microsoft.com/office/drawing/2014/main" val="1318295319"/>
+                    </a:ext>
+                  </a:extLst>
+                </a:gridCol>
+              </a:tblGrid>
+              <a:tr h="370840">
+                <a:tc>
+                  <a:txBody>
+                    <a:bodyPr/>
+                    <a:lstStyle/>
+                    <a:p>
+                      <a:endParaRPr kumimoji="1" lang="ja-JP" altLang="en-US"/>
+                    </a:p>
+                  </a:txBody>
+                  <a:tcPr/>
+                </a:tc>
+                <a:tc>
+                  <a:txBody>
+                    <a:bodyPr/>
+                    <a:lstStyle/>
+                    <a:p>
+                      <a:endParaRPr kumimoji="1" lang="ja-JP" altLang="en-US"/>
+                    </a:p>
+                  </a:txBody>
+                  <a:tcPr/>
+                </a:tc>
+                <a:extLst>
+                  <a:ext uri="{0D108BD9-81ED-4DB2-BD59-A6C34878D82A}">
+                    <a16:rowId xmlns:a16="http://schemas.microsoft.com/office/drawing/2014/main" val="2915981287"/>
+                  </a:ext>
+                </a:extLst>
+              </a:tr>
+              <a:tr h="370840">
+                <a:tc>
+                  <a:txBody>
+                    <a:bodyPr/>
+                    <a:lstStyle/>
+                    <a:p>
+                      <a:pPr algn="ctr"/>
+                      <a:r>
+                        <a:rPr kumimoji="1" lang="en-US" altLang="ja-JP">
+                          <a:latin typeface="Consolas" panose="020B0609020204030204" pitchFamily="49" charset="0"/>
+                        </a:rPr>
+                        <a:t>!!!</a:t>
+                      </a:r>
+                      <a:endParaRPr kumimoji="1" lang="ja-JP" altLang="en-US">
+                        <a:latin typeface="Consolas" panose="020B0609020204030204" pitchFamily="49" charset="0"/>
+                      </a:endParaRPr>
+                    </a:p>
+                  </a:txBody>
+                  <a:tcPr anchor="ctr"/>
+                </a:tc>
+                <a:tc>
+                  <a:txBody>
+                    <a:bodyPr/>
+                    <a:lstStyle/>
+                    <a:p>
+                      <a:pPr algn="l"/>
+                      <a:r>
+                        <a:rPr kumimoji="1" lang="ja-JP" altLang="en-US">
+                          <a:latin typeface="+mn-lt"/>
+                        </a:rPr>
+                        <a:t>強制終了を伴う致命的なエラー</a:t>
+                      </a:r>
+                    </a:p>
+                  </a:txBody>
+                  <a:tcPr anchor="ctr"/>
+                </a:tc>
+                <a:extLst>
+                  <a:ext uri="{0D108BD9-81ED-4DB2-BD59-A6C34878D82A}">
+                    <a16:rowId xmlns:a16="http://schemas.microsoft.com/office/drawing/2014/main" val="1864604440"/>
+                  </a:ext>
+                </a:extLst>
+              </a:tr>
+              <a:tr h="370840">
+                <a:tc>
+                  <a:txBody>
+                    <a:bodyPr/>
+                    <a:lstStyle/>
+                    <a:p>
+                      <a:pPr algn="ctr"/>
+                      <a:r>
+                        <a:rPr kumimoji="1" lang="en-US" altLang="ja-JP">
+                          <a:latin typeface="Consolas" panose="020B0609020204030204" pitchFamily="49" charset="0"/>
+                        </a:rPr>
+                        <a:t>!!</a:t>
+                      </a:r>
+                      <a:endParaRPr kumimoji="1" lang="ja-JP" altLang="en-US">
+                        <a:latin typeface="Consolas" panose="020B0609020204030204" pitchFamily="49" charset="0"/>
+                      </a:endParaRPr>
+                    </a:p>
+                  </a:txBody>
+                  <a:tcPr anchor="ctr"/>
+                </a:tc>
+                <a:tc>
+                  <a:txBody>
+                    <a:bodyPr/>
+                    <a:lstStyle/>
+                    <a:p>
+                      <a:pPr algn="l"/>
+                      <a:endParaRPr kumimoji="1" lang="ja-JP" altLang="en-US">
+                        <a:latin typeface="+mn-lt"/>
+                      </a:endParaRPr>
+                    </a:p>
+                  </a:txBody>
+                  <a:tcPr anchor="ctr"/>
+                </a:tc>
+                <a:extLst>
+                  <a:ext uri="{0D108BD9-81ED-4DB2-BD59-A6C34878D82A}">
+                    <a16:rowId xmlns:a16="http://schemas.microsoft.com/office/drawing/2014/main" val="882415859"/>
+                  </a:ext>
+                </a:extLst>
+              </a:tr>
+              <a:tr h="370840">
+                <a:tc>
+                  <a:txBody>
+                    <a:bodyPr/>
+                    <a:lstStyle/>
+                    <a:p>
+                      <a:pPr algn="ctr"/>
+                      <a:r>
+                        <a:rPr kumimoji="1" lang="en-US" altLang="ja-JP">
+                          <a:latin typeface="Consolas" panose="020B0609020204030204" pitchFamily="49" charset="0"/>
+                        </a:rPr>
+                        <a:t>!</a:t>
+                      </a:r>
+                      <a:endParaRPr kumimoji="1" lang="ja-JP" altLang="en-US">
+                        <a:latin typeface="Consolas" panose="020B0609020204030204" pitchFamily="49" charset="0"/>
+                      </a:endParaRPr>
+                    </a:p>
+                  </a:txBody>
+                  <a:tcPr anchor="ctr"/>
+                </a:tc>
+                <a:tc>
+                  <a:txBody>
+                    <a:bodyPr/>
+                    <a:lstStyle/>
+                    <a:p>
+                      <a:pPr algn="l"/>
+                      <a:r>
+                        <a:rPr kumimoji="1" lang="ja-JP" altLang="en-US">
+                          <a:latin typeface="+mn-lt"/>
+                        </a:rPr>
+                        <a:t>想定と異なる挙動を伴う警告</a:t>
+                      </a:r>
+                    </a:p>
+                  </a:txBody>
+                  <a:tcPr anchor="ctr"/>
+                </a:tc>
+                <a:extLst>
+                  <a:ext uri="{0D108BD9-81ED-4DB2-BD59-A6C34878D82A}">
+                    <a16:rowId xmlns:a16="http://schemas.microsoft.com/office/drawing/2014/main" val="2960463861"/>
+                  </a:ext>
+                </a:extLst>
+              </a:tr>
+              <a:tr h="370840">
+                <a:tc>
+                  <a:txBody>
+                    <a:bodyPr/>
+                    <a:lstStyle/>
+                    <a:p>
+                      <a:pPr algn="ctr"/>
+                      <a:r>
+                        <a:rPr kumimoji="1" lang="en-US" altLang="ja-JP">
+                          <a:latin typeface="Consolas" panose="020B0609020204030204" pitchFamily="49" charset="0"/>
+                        </a:rPr>
+                        <a:t>#</a:t>
+                      </a:r>
+                      <a:endParaRPr kumimoji="1" lang="ja-JP" altLang="en-US">
+                        <a:latin typeface="Consolas" panose="020B0609020204030204" pitchFamily="49" charset="0"/>
+                      </a:endParaRPr>
+                    </a:p>
+                  </a:txBody>
+                  <a:tcPr anchor="ctr"/>
+                </a:tc>
+                <a:tc>
+                  <a:txBody>
+                    <a:bodyPr/>
+                    <a:lstStyle/>
+                    <a:p>
+                      <a:pPr algn="l"/>
+                      <a:r>
+                        <a:rPr kumimoji="1" lang="ja-JP" altLang="en-US">
+                          <a:latin typeface="+mn-lt"/>
+                        </a:rPr>
+                        <a:t>一般的なメッセージ</a:t>
+                      </a:r>
+                    </a:p>
+                  </a:txBody>
+                  <a:tcPr anchor="ctr"/>
+                </a:tc>
+                <a:extLst>
+                  <a:ext uri="{0D108BD9-81ED-4DB2-BD59-A6C34878D82A}">
+                    <a16:rowId xmlns:a16="http://schemas.microsoft.com/office/drawing/2014/main" val="3457655308"/>
+                  </a:ext>
+                </a:extLst>
+              </a:tr>
+              <a:tr h="370840">
+                <a:tc>
+                  <a:txBody>
+                    <a:bodyPr/>
+                    <a:lstStyle/>
+                    <a:p>
+                      <a:pPr algn="ctr"/>
+                      <a:r>
+                        <a:rPr kumimoji="1" lang="en-US" altLang="ja-JP">
+                          <a:latin typeface="Consolas" panose="020B0609020204030204" pitchFamily="49" charset="0"/>
+                        </a:rPr>
+                        <a:t>+</a:t>
+                      </a:r>
+                      <a:endParaRPr kumimoji="1" lang="ja-JP" altLang="en-US">
+                        <a:latin typeface="Consolas" panose="020B0609020204030204" pitchFamily="49" charset="0"/>
+                      </a:endParaRPr>
+                    </a:p>
+                  </a:txBody>
+                  <a:tcPr anchor="ctr"/>
+                </a:tc>
+                <a:tc>
+                  <a:txBody>
+                    <a:bodyPr/>
+                    <a:lstStyle/>
+                    <a:p>
+                      <a:pPr algn="l"/>
+                      <a:r>
+                        <a:rPr kumimoji="1" lang="ja-JP" altLang="en-US">
+                          <a:latin typeface="+mn-lt"/>
+                        </a:rPr>
+                        <a:t>ツリーへのノードの追加</a:t>
+                      </a:r>
+                    </a:p>
+                  </a:txBody>
+                  <a:tcPr anchor="ctr"/>
+                </a:tc>
+                <a:extLst>
+                  <a:ext uri="{0D108BD9-81ED-4DB2-BD59-A6C34878D82A}">
+                    <a16:rowId xmlns:a16="http://schemas.microsoft.com/office/drawing/2014/main" val="1622637632"/>
+                  </a:ext>
+                </a:extLst>
+              </a:tr>
+              <a:tr h="370840">
+                <a:tc>
+                  <a:txBody>
+                    <a:bodyPr/>
+                    <a:lstStyle/>
+                    <a:p>
+                      <a:pPr algn="ctr"/>
+                      <a:r>
+                        <a:rPr kumimoji="1" lang="en-US" altLang="ja-JP">
+                          <a:latin typeface="Consolas" panose="020B0609020204030204" pitchFamily="49" charset="0"/>
+                        </a:rPr>
+                        <a:t>-</a:t>
+                      </a:r>
+                      <a:endParaRPr kumimoji="1" lang="ja-JP" altLang="en-US">
+                        <a:latin typeface="Consolas" panose="020B0609020204030204" pitchFamily="49" charset="0"/>
+                      </a:endParaRPr>
+                    </a:p>
+                  </a:txBody>
+                  <a:tcPr anchor="ctr"/>
+                </a:tc>
+                <a:tc>
+                  <a:txBody>
+                    <a:bodyPr/>
+                    <a:lstStyle/>
+                    <a:p>
+                      <a:pPr algn="l"/>
+                      <a:endParaRPr kumimoji="1" lang="ja-JP" altLang="en-US">
+                        <a:latin typeface="+mn-lt"/>
+                      </a:endParaRPr>
+                    </a:p>
+                  </a:txBody>
+                  <a:tcPr anchor="ctr"/>
+                </a:tc>
+                <a:extLst>
+                  <a:ext uri="{0D108BD9-81ED-4DB2-BD59-A6C34878D82A}">
+                    <a16:rowId xmlns:a16="http://schemas.microsoft.com/office/drawing/2014/main" val="3593029811"/>
+                  </a:ext>
+                </a:extLst>
+              </a:tr>
+              <a:tr h="370840">
+                <a:tc>
+                  <a:txBody>
+                    <a:bodyPr/>
+                    <a:lstStyle/>
+                    <a:p>
+                      <a:pPr algn="ctr"/>
+                      <a:endParaRPr kumimoji="1" lang="ja-JP" altLang="en-US">
+                        <a:latin typeface="Consolas" panose="020B0609020204030204" pitchFamily="49" charset="0"/>
+                      </a:endParaRPr>
+                    </a:p>
+                  </a:txBody>
+                  <a:tcPr anchor="ctr"/>
+                </a:tc>
+                <a:tc>
+                  <a:txBody>
+                    <a:bodyPr/>
+                    <a:lstStyle/>
+                    <a:p>
+                      <a:pPr algn="l"/>
+                      <a:endParaRPr kumimoji="1" lang="ja-JP" altLang="en-US">
+                        <a:latin typeface="+mn-lt"/>
+                      </a:endParaRPr>
+                    </a:p>
+                  </a:txBody>
+                  <a:tcPr anchor="ctr"/>
+                </a:tc>
+                <a:extLst>
+                  <a:ext uri="{0D108BD9-81ED-4DB2-BD59-A6C34878D82A}">
+                    <a16:rowId xmlns:a16="http://schemas.microsoft.com/office/drawing/2014/main" val="125614457"/>
+                  </a:ext>
+                </a:extLst>
+              </a:tr>
+              <a:tr h="370840">
+                <a:tc>
+                  <a:txBody>
+                    <a:bodyPr/>
+                    <a:lstStyle/>
+                    <a:p>
+                      <a:pPr algn="ctr"/>
+                      <a:endParaRPr kumimoji="1" lang="ja-JP" altLang="en-US">
+                        <a:latin typeface="Consolas" panose="020B0609020204030204" pitchFamily="49" charset="0"/>
+                      </a:endParaRPr>
+                    </a:p>
+                  </a:txBody>
+                  <a:tcPr anchor="ctr"/>
+                </a:tc>
+                <a:tc>
+                  <a:txBody>
+                    <a:bodyPr/>
+                    <a:lstStyle/>
+                    <a:p>
+                      <a:pPr algn="l"/>
+                      <a:endParaRPr kumimoji="1" lang="ja-JP" altLang="en-US">
+                        <a:latin typeface="+mn-lt"/>
+                      </a:endParaRPr>
+                    </a:p>
+                  </a:txBody>
+                  <a:tcPr anchor="ctr"/>
+                </a:tc>
+                <a:extLst>
+                  <a:ext uri="{0D108BD9-81ED-4DB2-BD59-A6C34878D82A}">
+                    <a16:rowId xmlns:a16="http://schemas.microsoft.com/office/drawing/2014/main" val="711712249"/>
+                  </a:ext>
+                </a:extLst>
+              </a:tr>
+              <a:tr h="370840">
+                <a:tc>
+                  <a:txBody>
+                    <a:bodyPr/>
+                    <a:lstStyle/>
+                    <a:p>
+                      <a:pPr algn="ctr"/>
+                      <a:endParaRPr kumimoji="1" lang="ja-JP" altLang="en-US">
+                        <a:latin typeface="Consolas" panose="020B0609020204030204" pitchFamily="49" charset="0"/>
+                      </a:endParaRPr>
+                    </a:p>
+                  </a:txBody>
+                  <a:tcPr anchor="ctr"/>
+                </a:tc>
+                <a:tc>
+                  <a:txBody>
+                    <a:bodyPr/>
+                    <a:lstStyle/>
+                    <a:p>
+                      <a:pPr algn="l"/>
+                      <a:endParaRPr kumimoji="1" lang="ja-JP" altLang="en-US">
+                        <a:latin typeface="+mn-lt"/>
+                      </a:endParaRPr>
+                    </a:p>
+                  </a:txBody>
+                  <a:tcPr anchor="ctr"/>
+                </a:tc>
+                <a:extLst>
+                  <a:ext uri="{0D108BD9-81ED-4DB2-BD59-A6C34878D82A}">
+                    <a16:rowId xmlns:a16="http://schemas.microsoft.com/office/drawing/2014/main" val="3192552586"/>
+                  </a:ext>
+                </a:extLst>
+              </a:tr>
+            </a:tbl>
+          </a:graphicData>
+        </a:graphic>
+      </p:graphicFrame>
+    </p:spTree>
+    <p:extLst>
+      <p:ext uri="{BB962C8B-B14F-4D97-AF65-F5344CB8AC3E}">
+        <p14:creationId xmlns:p14="http://schemas.microsoft.com/office/powerpoint/2010/main" val="3416118033"/>
+      </p:ext>
+    </p:extLst>
+  </p:cSld>
+  <p:clrMapOvr>
+    <a:masterClrMapping/>
+  </p:clrMapOvr>
+</p:sld>
+</file>
+
+<file path=ppt/slides/slide8.xml><?xml version="1.0" encoding="utf-8"?>
 <p:sld xmlns:a="http://schemas.openxmlformats.org/drawingml/2006/main" xmlns:r="http://schemas.openxmlformats.org/officeDocument/2006/relationships" xmlns:p="http://schemas.openxmlformats.org/presentationml/2006/main">
   <p:cSld>
     <p:spTree>

--- a/figs/slide.pptx
+++ b/figs/slide.pptx
@@ -208,7 +208,7 @@
           <a:p>
             <a:fld id="{2391F9B9-73E0-4983-B9AF-731D99DE00B9}" type="datetimeFigureOut">
               <a:rPr kumimoji="1" lang="ja-JP" altLang="en-US" smtClean="0"/>
-              <a:t>2025/12/22</a:t>
+              <a:t>2025/12/23</a:t>
             </a:fld>
             <a:endParaRPr kumimoji="1" lang="ja-JP" altLang="en-US"/>
           </a:p>
@@ -846,7 +846,7 @@
           <a:p>
             <a:fld id="{67538CB6-21B6-43C9-8D62-5A4528F2F88D}" type="datetimeFigureOut">
               <a:rPr kumimoji="1" lang="ja-JP" altLang="en-US" smtClean="0"/>
-              <a:t>2025/12/22</a:t>
+              <a:t>2025/12/23</a:t>
             </a:fld>
             <a:endParaRPr kumimoji="1" lang="ja-JP" altLang="en-US"/>
           </a:p>
@@ -1076,7 +1076,7 @@
           <a:p>
             <a:fld id="{67538CB6-21B6-43C9-8D62-5A4528F2F88D}" type="datetimeFigureOut">
               <a:rPr kumimoji="1" lang="ja-JP" altLang="en-US" smtClean="0"/>
-              <a:t>2025/12/22</a:t>
+              <a:t>2025/12/23</a:t>
             </a:fld>
             <a:endParaRPr kumimoji="1" lang="ja-JP" altLang="en-US"/>
           </a:p>
@@ -1316,7 +1316,7 @@
           <a:p>
             <a:fld id="{67538CB6-21B6-43C9-8D62-5A4528F2F88D}" type="datetimeFigureOut">
               <a:rPr kumimoji="1" lang="ja-JP" altLang="en-US" smtClean="0"/>
-              <a:t>2025/12/22</a:t>
+              <a:t>2025/12/23</a:t>
             </a:fld>
             <a:endParaRPr kumimoji="1" lang="ja-JP" altLang="en-US"/>
           </a:p>
@@ -1546,7 +1546,7 @@
           <a:p>
             <a:fld id="{67538CB6-21B6-43C9-8D62-5A4528F2F88D}" type="datetimeFigureOut">
               <a:rPr kumimoji="1" lang="ja-JP" altLang="en-US" smtClean="0"/>
-              <a:t>2025/12/22</a:t>
+              <a:t>2025/12/23</a:t>
             </a:fld>
             <a:endParaRPr kumimoji="1" lang="ja-JP" altLang="en-US"/>
           </a:p>
@@ -1821,7 +1821,7 @@
           <a:p>
             <a:fld id="{67538CB6-21B6-43C9-8D62-5A4528F2F88D}" type="datetimeFigureOut">
               <a:rPr kumimoji="1" lang="ja-JP" altLang="en-US" smtClean="0"/>
-              <a:t>2025/12/22</a:t>
+              <a:t>2025/12/23</a:t>
             </a:fld>
             <a:endParaRPr kumimoji="1" lang="ja-JP" altLang="en-US"/>
           </a:p>
@@ -2150,7 +2150,7 @@
           <a:p>
             <a:fld id="{67538CB6-21B6-43C9-8D62-5A4528F2F88D}" type="datetimeFigureOut">
               <a:rPr kumimoji="1" lang="ja-JP" altLang="en-US" smtClean="0"/>
-              <a:t>2025/12/22</a:t>
+              <a:t>2025/12/23</a:t>
             </a:fld>
             <a:endParaRPr kumimoji="1" lang="ja-JP" altLang="en-US"/>
           </a:p>
@@ -2626,7 +2626,7 @@
           <a:p>
             <a:fld id="{67538CB6-21B6-43C9-8D62-5A4528F2F88D}" type="datetimeFigureOut">
               <a:rPr kumimoji="1" lang="ja-JP" altLang="en-US" smtClean="0"/>
-              <a:t>2025/12/22</a:t>
+              <a:t>2025/12/23</a:t>
             </a:fld>
             <a:endParaRPr kumimoji="1" lang="ja-JP" altLang="en-US"/>
           </a:p>
@@ -2767,7 +2767,7 @@
           <a:p>
             <a:fld id="{67538CB6-21B6-43C9-8D62-5A4528F2F88D}" type="datetimeFigureOut">
               <a:rPr kumimoji="1" lang="ja-JP" altLang="en-US" smtClean="0"/>
-              <a:t>2025/12/22</a:t>
+              <a:t>2025/12/23</a:t>
             </a:fld>
             <a:endParaRPr kumimoji="1" lang="ja-JP" altLang="en-US"/>
           </a:p>
@@ -2880,7 +2880,7 @@
           <a:p>
             <a:fld id="{67538CB6-21B6-43C9-8D62-5A4528F2F88D}" type="datetimeFigureOut">
               <a:rPr kumimoji="1" lang="ja-JP" altLang="en-US" smtClean="0"/>
-              <a:t>2025/12/22</a:t>
+              <a:t>2025/12/23</a:t>
             </a:fld>
             <a:endParaRPr kumimoji="1" lang="ja-JP" altLang="en-US"/>
           </a:p>
@@ -3223,7 +3223,7 @@
           <a:p>
             <a:fld id="{67538CB6-21B6-43C9-8D62-5A4528F2F88D}" type="datetimeFigureOut">
               <a:rPr kumimoji="1" lang="ja-JP" altLang="en-US" smtClean="0"/>
-              <a:t>2025/12/22</a:t>
+              <a:t>2025/12/23</a:t>
             </a:fld>
             <a:endParaRPr kumimoji="1" lang="ja-JP" altLang="en-US"/>
           </a:p>
@@ -3511,7 +3511,7 @@
           <a:p>
             <a:fld id="{67538CB6-21B6-43C9-8D62-5A4528F2F88D}" type="datetimeFigureOut">
               <a:rPr kumimoji="1" lang="ja-JP" altLang="en-US" smtClean="0"/>
-              <a:t>2025/12/22</a:t>
+              <a:t>2025/12/23</a:t>
             </a:fld>
             <a:endParaRPr kumimoji="1" lang="ja-JP" altLang="en-US"/>
           </a:p>
@@ -3784,7 +3784,7 @@
           <a:p>
             <a:fld id="{67538CB6-21B6-43C9-8D62-5A4528F2F88D}" type="datetimeFigureOut">
               <a:rPr kumimoji="1" lang="ja-JP" altLang="en-US" smtClean="0"/>
-              <a:t>2025/12/22</a:t>
+              <a:t>2025/12/23</a:t>
             </a:fld>
             <a:endParaRPr kumimoji="1" lang="ja-JP" altLang="en-US"/>
           </a:p>
@@ -13528,8 +13528,8 @@
           </a:p>
         </p:txBody>
       </p:sp>
-      <mc:AlternateContent xmlns:mc="http://schemas.openxmlformats.org/markup-compatibility/2006">
-        <mc:Choice xmlns:a14="http://schemas.microsoft.com/office/drawing/2010/main" Requires="a14">
+      <mc:AlternateContent xmlns:mc="http://schemas.openxmlformats.org/markup-compatibility/2006" xmlns:a14="http://schemas.microsoft.com/office/drawing/2010/main">
+        <mc:Choice Requires="a14">
           <p:graphicFrame>
             <p:nvGraphicFramePr>
               <p:cNvPr id="7" name="表 6">
@@ -13675,6 +13675,7 @@
                         <a:bodyPr/>
                         <a:lstStyle/>
                         <a:p>
+                          <a:pPr/>
                           <a14:m>
                             <m:oMathPara xmlns:m="http://schemas.openxmlformats.org/officeDocument/2006/math">
                               <m:oMathParaPr>
@@ -13708,7 +13709,7 @@
             </a:graphic>
           </p:graphicFrame>
         </mc:Choice>
-        <mc:Fallback>
+        <mc:Fallback xmlns="">
           <p:graphicFrame>
             <p:nvGraphicFramePr>
               <p:cNvPr id="7" name="表 6">

--- a/figs/slide.pptx
+++ b/figs/slide.pptx
@@ -208,7 +208,7 @@
           <a:p>
             <a:fld id="{2391F9B9-73E0-4983-B9AF-731D99DE00B9}" type="datetimeFigureOut">
               <a:rPr kumimoji="1" lang="ja-JP" altLang="en-US" smtClean="0"/>
-              <a:t>2025/12/23</a:t>
+              <a:t>2025/12/25</a:t>
             </a:fld>
             <a:endParaRPr kumimoji="1" lang="ja-JP" altLang="en-US"/>
           </a:p>
@@ -846,7 +846,7 @@
           <a:p>
             <a:fld id="{67538CB6-21B6-43C9-8D62-5A4528F2F88D}" type="datetimeFigureOut">
               <a:rPr kumimoji="1" lang="ja-JP" altLang="en-US" smtClean="0"/>
-              <a:t>2025/12/23</a:t>
+              <a:t>2025/12/25</a:t>
             </a:fld>
             <a:endParaRPr kumimoji="1" lang="ja-JP" altLang="en-US"/>
           </a:p>
@@ -1076,7 +1076,7 @@
           <a:p>
             <a:fld id="{67538CB6-21B6-43C9-8D62-5A4528F2F88D}" type="datetimeFigureOut">
               <a:rPr kumimoji="1" lang="ja-JP" altLang="en-US" smtClean="0"/>
-              <a:t>2025/12/23</a:t>
+              <a:t>2025/12/25</a:t>
             </a:fld>
             <a:endParaRPr kumimoji="1" lang="ja-JP" altLang="en-US"/>
           </a:p>
@@ -1316,7 +1316,7 @@
           <a:p>
             <a:fld id="{67538CB6-21B6-43C9-8D62-5A4528F2F88D}" type="datetimeFigureOut">
               <a:rPr kumimoji="1" lang="ja-JP" altLang="en-US" smtClean="0"/>
-              <a:t>2025/12/23</a:t>
+              <a:t>2025/12/25</a:t>
             </a:fld>
             <a:endParaRPr kumimoji="1" lang="ja-JP" altLang="en-US"/>
           </a:p>
@@ -1546,7 +1546,7 @@
           <a:p>
             <a:fld id="{67538CB6-21B6-43C9-8D62-5A4528F2F88D}" type="datetimeFigureOut">
               <a:rPr kumimoji="1" lang="ja-JP" altLang="en-US" smtClean="0"/>
-              <a:t>2025/12/23</a:t>
+              <a:t>2025/12/25</a:t>
             </a:fld>
             <a:endParaRPr kumimoji="1" lang="ja-JP" altLang="en-US"/>
           </a:p>
@@ -1821,7 +1821,7 @@
           <a:p>
             <a:fld id="{67538CB6-21B6-43C9-8D62-5A4528F2F88D}" type="datetimeFigureOut">
               <a:rPr kumimoji="1" lang="ja-JP" altLang="en-US" smtClean="0"/>
-              <a:t>2025/12/23</a:t>
+              <a:t>2025/12/25</a:t>
             </a:fld>
             <a:endParaRPr kumimoji="1" lang="ja-JP" altLang="en-US"/>
           </a:p>
@@ -2150,7 +2150,7 @@
           <a:p>
             <a:fld id="{67538CB6-21B6-43C9-8D62-5A4528F2F88D}" type="datetimeFigureOut">
               <a:rPr kumimoji="1" lang="ja-JP" altLang="en-US" smtClean="0"/>
-              <a:t>2025/12/23</a:t>
+              <a:t>2025/12/25</a:t>
             </a:fld>
             <a:endParaRPr kumimoji="1" lang="ja-JP" altLang="en-US"/>
           </a:p>
@@ -2626,7 +2626,7 @@
           <a:p>
             <a:fld id="{67538CB6-21B6-43C9-8D62-5A4528F2F88D}" type="datetimeFigureOut">
               <a:rPr kumimoji="1" lang="ja-JP" altLang="en-US" smtClean="0"/>
-              <a:t>2025/12/23</a:t>
+              <a:t>2025/12/25</a:t>
             </a:fld>
             <a:endParaRPr kumimoji="1" lang="ja-JP" altLang="en-US"/>
           </a:p>
@@ -2767,7 +2767,7 @@
           <a:p>
             <a:fld id="{67538CB6-21B6-43C9-8D62-5A4528F2F88D}" type="datetimeFigureOut">
               <a:rPr kumimoji="1" lang="ja-JP" altLang="en-US" smtClean="0"/>
-              <a:t>2025/12/23</a:t>
+              <a:t>2025/12/25</a:t>
             </a:fld>
             <a:endParaRPr kumimoji="1" lang="ja-JP" altLang="en-US"/>
           </a:p>
@@ -2880,7 +2880,7 @@
           <a:p>
             <a:fld id="{67538CB6-21B6-43C9-8D62-5A4528F2F88D}" type="datetimeFigureOut">
               <a:rPr kumimoji="1" lang="ja-JP" altLang="en-US" smtClean="0"/>
-              <a:t>2025/12/23</a:t>
+              <a:t>2025/12/25</a:t>
             </a:fld>
             <a:endParaRPr kumimoji="1" lang="ja-JP" altLang="en-US"/>
           </a:p>
@@ -3223,7 +3223,7 @@
           <a:p>
             <a:fld id="{67538CB6-21B6-43C9-8D62-5A4528F2F88D}" type="datetimeFigureOut">
               <a:rPr kumimoji="1" lang="ja-JP" altLang="en-US" smtClean="0"/>
-              <a:t>2025/12/23</a:t>
+              <a:t>2025/12/25</a:t>
             </a:fld>
             <a:endParaRPr kumimoji="1" lang="ja-JP" altLang="en-US"/>
           </a:p>
@@ -3511,7 +3511,7 @@
           <a:p>
             <a:fld id="{67538CB6-21B6-43C9-8D62-5A4528F2F88D}" type="datetimeFigureOut">
               <a:rPr kumimoji="1" lang="ja-JP" altLang="en-US" smtClean="0"/>
-              <a:t>2025/12/23</a:t>
+              <a:t>2025/12/25</a:t>
             </a:fld>
             <a:endParaRPr kumimoji="1" lang="ja-JP" altLang="en-US"/>
           </a:p>
@@ -3784,7 +3784,7 @@
           <a:p>
             <a:fld id="{67538CB6-21B6-43C9-8D62-5A4528F2F88D}" type="datetimeFigureOut">
               <a:rPr kumimoji="1" lang="ja-JP" altLang="en-US" smtClean="0"/>
-              <a:t>2025/12/23</a:t>
+              <a:t>2025/12/25</a:t>
             </a:fld>
             <a:endParaRPr kumimoji="1" lang="ja-JP" altLang="en-US"/>
           </a:p>
@@ -11068,8 +11068,8 @@
         </p:nvSpPr>
         <p:spPr>
           <a:xfrm>
-            <a:off x="645261" y="1026274"/>
-            <a:ext cx="2341672" cy="5253891"/>
+            <a:off x="179999" y="1630478"/>
+            <a:ext cx="2806934" cy="4649687"/>
           </a:xfrm>
           <a:prstGeom prst="roundRect">
             <a:avLst>
@@ -11324,7 +11324,7 @@
         </p:nvSpPr>
         <p:spPr>
           <a:xfrm>
-            <a:off x="3926403" y="2555631"/>
+            <a:off x="3830618" y="2515027"/>
             <a:ext cx="3575275" cy="369332"/>
           </a:xfrm>
           <a:prstGeom prst="rect">
@@ -11342,7 +11342,7 @@
               <a:rPr lang="en-US" altLang="ja-JP">
                 <a:latin typeface="Consolas" panose="020B0609020204030204" pitchFamily="49" charset="0"/>
               </a:rPr>
-              <a:t>NeneNode: scene_switch</a:t>
+              <a:t>NeneSwitch: scene_switch</a:t>
             </a:r>
             <a:endParaRPr lang="ja-JP" altLang="en-US">
               <a:latin typeface="Consolas" panose="020B0609020204030204" pitchFamily="49" charset="0"/>
@@ -11464,7 +11464,7 @@
           <a:p>
             <a:r>
               <a:rPr lang="en-US" altLang="ja-JP" sz="2800" b="1"/>
-              <a:t>NeneEngine2D(ver. 1.0.0)</a:t>
+              <a:t>NeneEngine(ver. 1.0.0)</a:t>
             </a:r>
             <a:endParaRPr lang="ja-JP" altLang="en-US" sz="2800" b="1"/>
           </a:p>
@@ -11757,7 +11757,7 @@
         </p:nvSpPr>
         <p:spPr>
           <a:xfrm>
-            <a:off x="419211" y="2337833"/>
+            <a:off x="460705" y="2327585"/>
             <a:ext cx="2360656" cy="369332"/>
           </a:xfrm>
           <a:prstGeom prst="rect">
@@ -11776,7 +11776,7 @@
               <a:rPr lang="en-US" altLang="ja-JP">
                 <a:latin typeface="Consolas" panose="020B0609020204030204" pitchFamily="49" charset="0"/>
               </a:rPr>
-              <a:t>NeneMail</a:t>
+              <a:t>NeneMailServer</a:t>
             </a:r>
           </a:p>
         </p:txBody>
@@ -11814,7 +11814,7 @@
               <a:rPr lang="en-US" altLang="ja-JP">
                 <a:latin typeface="Consolas" panose="020B0609020204030204" pitchFamily="49" charset="0"/>
               </a:rPr>
-              <a:t>NeneImageLoader</a:t>
+              <a:t>NeneAssetLoader</a:t>
             </a:r>
             <a:endParaRPr kumimoji="1" lang="ja-JP" altLang="en-US">
               <a:latin typeface="Consolas" panose="020B0609020204030204" pitchFamily="49" charset="0"/>
@@ -11855,7 +11855,7 @@
               <a:rPr lang="en-US" altLang="ja-JP">
                 <a:latin typeface="Consolas" panose="020B0609020204030204" pitchFamily="49" charset="0"/>
               </a:rPr>
-              <a:t>NeneTextLoader</a:t>
+              <a:t>NeneFontLoader</a:t>
             </a:r>
             <a:endParaRPr kumimoji="1" lang="ja-JP" altLang="en-US">
               <a:latin typeface="Consolas" panose="020B0609020204030204" pitchFamily="49" charset="0"/>
@@ -12552,7 +12552,7 @@
         </p:nvSpPr>
         <p:spPr>
           <a:xfrm>
-            <a:off x="645261" y="6398750"/>
+            <a:off x="419211" y="6280165"/>
             <a:ext cx="1865114" cy="369332"/>
           </a:xfrm>
           <a:prstGeom prst="rect">
@@ -12587,8 +12587,8 @@
         </p:nvSpPr>
         <p:spPr>
           <a:xfrm rot="10800000" flipH="1">
-            <a:off x="3690438" y="2187376"/>
-            <a:ext cx="360000" cy="4092789"/>
+            <a:off x="3690438" y="1629425"/>
+            <a:ext cx="360000" cy="4650740"/>
           </a:xfrm>
           <a:prstGeom prst="leftBracket">
             <a:avLst>
@@ -12833,6 +12833,120 @@
               <a:t>.</a:t>
             </a:r>
             <a:endParaRPr kumimoji="1" lang="ja-JP" altLang="en-US"/>
+          </a:p>
+        </p:txBody>
+      </p:sp>
+      <p:sp>
+        <p:nvSpPr>
+          <p:cNvPr id="2" name="テキスト ボックス 1">
+            <a:extLst>
+              <a:ext uri="{FF2B5EF4-FFF2-40B4-BE49-F238E27FC236}">
+                <a16:creationId xmlns:a16="http://schemas.microsoft.com/office/drawing/2014/main" id="{50B671E1-579E-644E-39EC-FE9EFFF78572}"/>
+              </a:ext>
+            </a:extLst>
+          </p:cNvPr>
+          <p:cNvSpPr txBox="1"/>
+          <p:nvPr/>
+        </p:nvSpPr>
+        <p:spPr>
+          <a:xfrm>
+            <a:off x="333529" y="2629914"/>
+            <a:ext cx="2532019" cy="369332"/>
+          </a:xfrm>
+          <a:prstGeom prst="rect">
+            <a:avLst/>
+          </a:prstGeom>
+          <a:noFill/>
+        </p:spPr>
+        <p:txBody>
+          <a:bodyPr wrap="square" rtlCol="0">
+            <a:spAutoFit/>
+          </a:bodyPr>
+          <a:lstStyle/>
+          <a:p>
+            <a:pPr algn="r"/>
+            <a:r>
+              <a:rPr lang="en-US" altLang="ja-JP">
+                <a:latin typeface="Consolas" panose="020B0609020204030204" pitchFamily="49" charset="0"/>
+              </a:rPr>
+              <a:t>NeneGlobalSettings</a:t>
+            </a:r>
+          </a:p>
+        </p:txBody>
+      </p:sp>
+      <p:sp>
+        <p:nvSpPr>
+          <p:cNvPr id="8" name="テキスト ボックス 7">
+            <a:extLst>
+              <a:ext uri="{FF2B5EF4-FFF2-40B4-BE49-F238E27FC236}">
+                <a16:creationId xmlns:a16="http://schemas.microsoft.com/office/drawing/2014/main" id="{76810DA0-3736-1E8D-F28D-248A80B9A0ED}"/>
+              </a:ext>
+            </a:extLst>
+          </p:cNvPr>
+          <p:cNvSpPr txBox="1"/>
+          <p:nvPr/>
+        </p:nvSpPr>
+        <p:spPr>
+          <a:xfrm>
+            <a:off x="333529" y="2931873"/>
+            <a:ext cx="2532019" cy="369332"/>
+          </a:xfrm>
+          <a:prstGeom prst="rect">
+            <a:avLst/>
+          </a:prstGeom>
+          <a:noFill/>
+        </p:spPr>
+        <p:txBody>
+          <a:bodyPr wrap="square" rtlCol="0">
+            <a:spAutoFit/>
+          </a:bodyPr>
+          <a:lstStyle/>
+          <a:p>
+            <a:pPr algn="r"/>
+            <a:r>
+              <a:rPr lang="en-US" altLang="ja-JP">
+                <a:latin typeface="Consolas" panose="020B0609020204030204" pitchFamily="49" charset="0"/>
+              </a:rPr>
+              <a:t>NeneCollisionWorld</a:t>
+            </a:r>
+          </a:p>
+        </p:txBody>
+      </p:sp>
+      <p:sp>
+        <p:nvSpPr>
+          <p:cNvPr id="9" name="テキスト ボックス 8">
+            <a:extLst>
+              <a:ext uri="{FF2B5EF4-FFF2-40B4-BE49-F238E27FC236}">
+                <a16:creationId xmlns:a16="http://schemas.microsoft.com/office/drawing/2014/main" id="{96677C65-067E-6112-A6F4-77216422F6BC}"/>
+              </a:ext>
+            </a:extLst>
+          </p:cNvPr>
+          <p:cNvSpPr txBox="1"/>
+          <p:nvPr/>
+        </p:nvSpPr>
+        <p:spPr>
+          <a:xfrm>
+            <a:off x="404879" y="1260093"/>
+            <a:ext cx="2360656" cy="369332"/>
+          </a:xfrm>
+          <a:prstGeom prst="rect">
+            <a:avLst/>
+          </a:prstGeom>
+          <a:noFill/>
+        </p:spPr>
+        <p:txBody>
+          <a:bodyPr wrap="square" rtlCol="0">
+            <a:spAutoFit/>
+          </a:bodyPr>
+          <a:lstStyle/>
+          <a:p>
+            <a:pPr algn="r"/>
+            <a:r>
+              <a:rPr lang="en-US" altLang="ja-JP">
+                <a:latin typeface="Consolas" panose="020B0609020204030204" pitchFamily="49" charset="0"/>
+              </a:rPr>
+              <a:t>NeneServer</a:t>
+            </a:r>
           </a:p>
         </p:txBody>
       </p:sp>
